--- a/Detecția marcajelor pietonale.pptx
+++ b/Detecția marcajelor pietonale.pptx
@@ -5,10 +5,10 @@
     <p:sldMasterId id="2147483848" r:id="rId4"/>
   </p:sldMasterIdLst>
   <p:notesMasterIdLst>
-    <p:notesMasterId r:id="rId14"/>
+    <p:notesMasterId r:id="rId22"/>
   </p:notesMasterIdLst>
   <p:handoutMasterIdLst>
-    <p:handoutMasterId r:id="rId15"/>
+    <p:handoutMasterId r:id="rId23"/>
   </p:handoutMasterIdLst>
   <p:sldIdLst>
     <p:sldId id="257" r:id="rId5"/>
@@ -20,6 +20,14 @@
     <p:sldId id="267" r:id="rId11"/>
     <p:sldId id="268" r:id="rId12"/>
     <p:sldId id="269" r:id="rId13"/>
+    <p:sldId id="270" r:id="rId14"/>
+    <p:sldId id="271" r:id="rId15"/>
+    <p:sldId id="272" r:id="rId16"/>
+    <p:sldId id="273" r:id="rId17"/>
+    <p:sldId id="274" r:id="rId18"/>
+    <p:sldId id="275" r:id="rId19"/>
+    <p:sldId id="276" r:id="rId20"/>
+    <p:sldId id="277" r:id="rId21"/>
   </p:sldIdLst>
   <p:sldSz cx="12192000" cy="6858000"/>
   <p:notesSz cx="6858000" cy="9144000"/>
@@ -221,7 +229,7 @@
             <a:pPr rtl="0"/>
             <a:fld id="{AC7EF0D2-335E-4D1F-A667-B192E6336BCA}" type="datetime1">
               <a:rPr lang="ro-RO" smtClean="0"/>
-              <a:t>20.11.2024</a:t>
+              <a:t>21.11.2024</a:t>
             </a:fld>
             <a:endParaRPr lang="en-US" dirty="0"/>
           </a:p>
@@ -391,7 +399,7 @@
             <a:pPr rtl="0"/>
             <a:fld id="{4E0E9710-CC67-4A28-8E66-1EEC46516428}" type="datetime1">
               <a:rPr lang="ro-RO" smtClean="0"/>
-              <a:t>20.11.2024</a:t>
+              <a:t>21.11.2024</a:t>
             </a:fld>
             <a:endParaRPr lang="en-US"/>
           </a:p>
@@ -832,7 +840,7 @@
           <a:p>
             <a:fld id="{5BDCABB6-D211-4A3C-A8D0-30CDF488E3C0}" type="datetime1">
               <a:rPr lang="ro-RO" smtClean="0"/>
-              <a:t>20.11.2024</a:t>
+              <a:t>21.11.2024</a:t>
             </a:fld>
             <a:endParaRPr lang="en-US" dirty="0"/>
           </a:p>
@@ -1062,7 +1070,7 @@
           <a:p>
             <a:fld id="{5BDCABB6-D211-4A3C-A8D0-30CDF488E3C0}" type="datetime1">
               <a:rPr lang="ro-RO" smtClean="0"/>
-              <a:t>20.11.2024</a:t>
+              <a:t>21.11.2024</a:t>
             </a:fld>
             <a:endParaRPr lang="en-US" dirty="0"/>
           </a:p>
@@ -1244,7 +1252,7 @@
           <a:p>
             <a:fld id="{5BDCABB6-D211-4A3C-A8D0-30CDF488E3C0}" type="datetime1">
               <a:rPr lang="ro-RO" smtClean="0"/>
-              <a:t>20.11.2024</a:t>
+              <a:t>21.11.2024</a:t>
             </a:fld>
             <a:endParaRPr lang="en-US" dirty="0"/>
           </a:p>
@@ -1416,7 +1424,7 @@
           <a:p>
             <a:fld id="{5BDCABB6-D211-4A3C-A8D0-30CDF488E3C0}" type="datetime1">
               <a:rPr lang="ro-RO" smtClean="0"/>
-              <a:t>20.11.2024</a:t>
+              <a:t>21.11.2024</a:t>
             </a:fld>
             <a:endParaRPr lang="en-US" dirty="0"/>
           </a:p>
@@ -1672,7 +1680,7 @@
           <a:p>
             <a:fld id="{5BDCABB6-D211-4A3C-A8D0-30CDF488E3C0}" type="datetime1">
               <a:rPr lang="ro-RO" smtClean="0"/>
-              <a:t>20.11.2024</a:t>
+              <a:t>21.11.2024</a:t>
             </a:fld>
             <a:endParaRPr lang="en-US" dirty="0"/>
           </a:p>
@@ -2000,7 +2008,7 @@
           <a:p>
             <a:fld id="{5BDCABB6-D211-4A3C-A8D0-30CDF488E3C0}" type="datetime1">
               <a:rPr lang="ro-RO" smtClean="0"/>
-              <a:t>20.11.2024</a:t>
+              <a:t>21.11.2024</a:t>
             </a:fld>
             <a:endParaRPr lang="en-US" dirty="0"/>
           </a:p>
@@ -2453,7 +2461,7 @@
           <a:p>
             <a:fld id="{5BDCABB6-D211-4A3C-A8D0-30CDF488E3C0}" type="datetime1">
               <a:rPr lang="ro-RO" smtClean="0"/>
-              <a:t>20.11.2024</a:t>
+              <a:t>21.11.2024</a:t>
             </a:fld>
             <a:endParaRPr lang="en-US" dirty="0"/>
           </a:p>
@@ -2573,7 +2581,7 @@
           <a:p>
             <a:fld id="{5BDCABB6-D211-4A3C-A8D0-30CDF488E3C0}" type="datetime1">
               <a:rPr lang="ro-RO" smtClean="0"/>
-              <a:t>20.11.2024</a:t>
+              <a:t>21.11.2024</a:t>
             </a:fld>
             <a:endParaRPr lang="en-US" dirty="0"/>
           </a:p>
@@ -2670,7 +2678,7 @@
           <a:p>
             <a:fld id="{5BDCABB6-D211-4A3C-A8D0-30CDF488E3C0}" type="datetime1">
               <a:rPr lang="ro-RO" smtClean="0"/>
-              <a:t>20.11.2024</a:t>
+              <a:t>21.11.2024</a:t>
             </a:fld>
             <a:endParaRPr lang="en-US" dirty="0"/>
           </a:p>
@@ -2959,7 +2967,7 @@
           <a:p>
             <a:fld id="{5BDCABB6-D211-4A3C-A8D0-30CDF488E3C0}" type="datetime1">
               <a:rPr lang="ro-RO" smtClean="0"/>
-              <a:t>20.11.2024</a:t>
+              <a:t>21.11.2024</a:t>
             </a:fld>
             <a:endParaRPr lang="en-US" dirty="0"/>
           </a:p>
@@ -3283,7 +3291,7 @@
           <a:p>
             <a:fld id="{5BDCABB6-D211-4A3C-A8D0-30CDF488E3C0}" type="datetime1">
               <a:rPr lang="ro-RO" smtClean="0"/>
-              <a:t>20.11.2024</a:t>
+              <a:t>21.11.2024</a:t>
             </a:fld>
             <a:endParaRPr lang="en-US" dirty="0"/>
           </a:p>
@@ -3539,7 +3547,7 @@
           <a:p>
             <a:fld id="{5BDCABB6-D211-4A3C-A8D0-30CDF488E3C0}" type="datetime1">
               <a:rPr lang="ro-RO" smtClean="0"/>
-              <a:t>20.11.2024</a:t>
+              <a:t>21.11.2024</a:t>
             </a:fld>
             <a:endParaRPr lang="en-US" dirty="0"/>
           </a:p>
@@ -4399,6 +4407,3800 @@
 </p:sld>
 </file>
 
+<file path=ppt/slides/slide10.xml><?xml version="1.0" encoding="utf-8"?>
+<p:sld xmlns:a="http://schemas.openxmlformats.org/drawingml/2006/main" xmlns:r="http://schemas.openxmlformats.org/officeDocument/2006/relationships" xmlns:p="http://schemas.openxmlformats.org/presentationml/2006/main">
+  <p:cSld>
+    <p:bg>
+      <p:bgPr>
+        <a:solidFill>
+          <a:schemeClr val="bg1"/>
+        </a:solidFill>
+        <a:effectLst/>
+      </p:bgPr>
+    </p:bg>
+    <p:spTree>
+      <p:nvGrpSpPr>
+        <p:cNvPr id="1" name="">
+          <a:extLst>
+            <a:ext uri="{FF2B5EF4-FFF2-40B4-BE49-F238E27FC236}">
+              <a16:creationId xmlns:a16="http://schemas.microsoft.com/office/drawing/2014/main" id="{5C3EEBC3-F28D-AD94-737D-D097B050D712}"/>
+            </a:ext>
+          </a:extLst>
+        </p:cNvPr>
+        <p:cNvGrpSpPr/>
+        <p:nvPr/>
+      </p:nvGrpSpPr>
+      <p:grpSpPr>
+        <a:xfrm>
+          <a:off x="0" y="0"/>
+          <a:ext cx="0" cy="0"/>
+          <a:chOff x="0" y="0"/>
+          <a:chExt cx="0" cy="0"/>
+        </a:xfrm>
+      </p:grpSpPr>
+      <p:sp>
+        <p:nvSpPr>
+          <p:cNvPr id="2" name="Title 1">
+            <a:extLst>
+              <a:ext uri="{FF2B5EF4-FFF2-40B4-BE49-F238E27FC236}">
+                <a16:creationId xmlns:a16="http://schemas.microsoft.com/office/drawing/2014/main" id="{E3388DAE-531A-515B-4EDE-02E42FBCDDB0}"/>
+              </a:ext>
+            </a:extLst>
+          </p:cNvPr>
+          <p:cNvSpPr>
+            <a:spLocks noGrp="1"/>
+          </p:cNvSpPr>
+          <p:nvPr>
+            <p:ph type="title"/>
+          </p:nvPr>
+        </p:nvSpPr>
+        <p:spPr>
+          <a:xfrm>
+            <a:off x="643831" y="640080"/>
+            <a:ext cx="3690425" cy="1363344"/>
+          </a:xfrm>
+        </p:spPr>
+        <p:txBody>
+          <a:bodyPr>
+            <a:normAutofit/>
+          </a:bodyPr>
+          <a:lstStyle/>
+          <a:p>
+            <a:r>
+              <a:rPr lang="en-US" sz="3200"/>
+              <a:t>Etapa I : Detectia marcajelor</a:t>
+            </a:r>
+            <a:endParaRPr lang="ro-RO" sz="3200"/>
+          </a:p>
+        </p:txBody>
+      </p:sp>
+      <p:sp>
+        <p:nvSpPr>
+          <p:cNvPr id="14" name="Content Placeholder 11">
+            <a:extLst>
+              <a:ext uri="{FF2B5EF4-FFF2-40B4-BE49-F238E27FC236}">
+                <a16:creationId xmlns:a16="http://schemas.microsoft.com/office/drawing/2014/main" id="{E0269749-1E85-51A6-76E2-BFCECA942F80}"/>
+              </a:ext>
+            </a:extLst>
+          </p:cNvPr>
+          <p:cNvSpPr>
+            <a:spLocks noGrp="1"/>
+          </p:cNvSpPr>
+          <p:nvPr>
+            <p:ph idx="1"/>
+          </p:nvPr>
+        </p:nvSpPr>
+        <p:spPr>
+          <a:xfrm>
+            <a:off x="643831" y="2325157"/>
+            <a:ext cx="3690425" cy="3854979"/>
+          </a:xfrm>
+        </p:spPr>
+        <p:txBody>
+          <a:bodyPr>
+            <a:normAutofit/>
+          </a:bodyPr>
+          <a:lstStyle/>
+          <a:p>
+            <a:endParaRPr lang="en-US" sz="1600"/>
+          </a:p>
+        </p:txBody>
+      </p:sp>
+      <p:pic>
+        <p:nvPicPr>
+          <p:cNvPr id="8" name="Content Placeholder 7" descr="A collage of a crosswalk&#10;&#10;Description automatically generated">
+            <a:extLst>
+              <a:ext uri="{FF2B5EF4-FFF2-40B4-BE49-F238E27FC236}">
+                <a16:creationId xmlns:a16="http://schemas.microsoft.com/office/drawing/2014/main" id="{44140FA7-AB4D-1761-2F23-8AE19C5BBD9C}"/>
+              </a:ext>
+            </a:extLst>
+          </p:cNvPr>
+          <p:cNvPicPr>
+            <a:picLocks noChangeAspect="1"/>
+          </p:cNvPicPr>
+          <p:nvPr/>
+        </p:nvPicPr>
+        <p:blipFill>
+          <a:blip r:embed="rId2">
+            <a:extLst>
+              <a:ext uri="{28A0092B-C50C-407E-A947-70E740481C1C}">
+                <a14:useLocalDpi xmlns:a14="http://schemas.microsoft.com/office/drawing/2010/main" val="0"/>
+              </a:ext>
+            </a:extLst>
+          </a:blip>
+          <a:stretch>
+            <a:fillRect/>
+          </a:stretch>
+        </p:blipFill>
+        <p:spPr>
+          <a:xfrm>
+            <a:off x="4938113" y="640080"/>
+            <a:ext cx="5588101" cy="5588101"/>
+          </a:xfrm>
+          <a:prstGeom prst="rect">
+            <a:avLst/>
+          </a:prstGeom>
+        </p:spPr>
+      </p:pic>
+      <p:sp>
+        <p:nvSpPr>
+          <p:cNvPr id="4" name="Date Placeholder 3">
+            <a:extLst>
+              <a:ext uri="{FF2B5EF4-FFF2-40B4-BE49-F238E27FC236}">
+                <a16:creationId xmlns:a16="http://schemas.microsoft.com/office/drawing/2014/main" id="{032202D9-6A81-7D79-50F8-E4AC593A00A6}"/>
+              </a:ext>
+            </a:extLst>
+          </p:cNvPr>
+          <p:cNvSpPr>
+            <a:spLocks noGrp="1"/>
+          </p:cNvSpPr>
+          <p:nvPr>
+            <p:ph type="dt" sz="half" idx="10"/>
+          </p:nvPr>
+        </p:nvSpPr>
+        <p:spPr>
+          <a:xfrm rot="16200000">
+            <a:off x="10797542" y="998537"/>
+            <a:ext cx="1904999" cy="365125"/>
+          </a:xfrm>
+        </p:spPr>
+        <p:txBody>
+          <a:bodyPr>
+            <a:normAutofit/>
+          </a:bodyPr>
+          <a:lstStyle/>
+          <a:p>
+            <a:pPr>
+              <a:spcAft>
+                <a:spcPts val="600"/>
+              </a:spcAft>
+            </a:pPr>
+            <a:fld id="{5BDCABB6-D211-4A3C-A8D0-30CDF488E3C0}" type="datetime1">
+              <a:rPr lang="ro-RO" smtClean="0"/>
+              <a:pPr>
+                <a:spcAft>
+                  <a:spcPts val="600"/>
+                </a:spcAft>
+              </a:pPr>
+              <a:t>21.11.2024</a:t>
+            </a:fld>
+            <a:endParaRPr lang="en-US"/>
+          </a:p>
+        </p:txBody>
+      </p:sp>
+    </p:spTree>
+    <p:extLst>
+      <p:ext uri="{BB962C8B-B14F-4D97-AF65-F5344CB8AC3E}">
+        <p14:creationId xmlns:p14="http://schemas.microsoft.com/office/powerpoint/2010/main" val="3384205171"/>
+      </p:ext>
+    </p:extLst>
+  </p:cSld>
+  <p:clrMapOvr>
+    <a:masterClrMapping/>
+  </p:clrMapOvr>
+  <p:transition spd="slow">
+    <p:push dir="u"/>
+  </p:transition>
+</p:sld>
+</file>
+
+<file path=ppt/slides/slide11.xml><?xml version="1.0" encoding="utf-8"?>
+<p:sld xmlns:a="http://schemas.openxmlformats.org/drawingml/2006/main" xmlns:r="http://schemas.openxmlformats.org/officeDocument/2006/relationships" xmlns:p="http://schemas.openxmlformats.org/presentationml/2006/main">
+  <p:cSld>
+    <p:bg>
+      <p:bgPr>
+        <a:solidFill>
+          <a:schemeClr val="bg1"/>
+        </a:solidFill>
+        <a:effectLst/>
+      </p:bgPr>
+    </p:bg>
+    <p:spTree>
+      <p:nvGrpSpPr>
+        <p:cNvPr id="1" name=""/>
+        <p:cNvGrpSpPr/>
+        <p:nvPr/>
+      </p:nvGrpSpPr>
+      <p:grpSpPr>
+        <a:xfrm>
+          <a:off x="0" y="0"/>
+          <a:ext cx="0" cy="0"/>
+          <a:chOff x="0" y="0"/>
+          <a:chExt cx="0" cy="0"/>
+        </a:xfrm>
+      </p:grpSpPr>
+      <p:sp>
+        <p:nvSpPr>
+          <p:cNvPr id="12" name="Rectangle 11">
+            <a:extLst>
+              <a:ext uri="{FF2B5EF4-FFF2-40B4-BE49-F238E27FC236}">
+                <a16:creationId xmlns:a16="http://schemas.microsoft.com/office/drawing/2014/main" id="{5D5E0904-721C-4D68-9EB8-1C9752E329A7}"/>
+              </a:ext>
+              <a:ext uri="{C183D7F6-B498-43B3-948B-1728B52AA6E4}">
+                <adec:decorative xmlns:adec="http://schemas.microsoft.com/office/drawing/2017/decorative" val="1"/>
+              </a:ext>
+            </a:extLst>
+          </p:cNvPr>
+          <p:cNvSpPr>
+            <a:spLocks noGrp="1" noRot="1" noChangeAspect="1" noMove="1" noResize="1" noEditPoints="1" noAdjustHandles="1" noChangeArrowheads="1" noChangeShapeType="1" noTextEdit="1"/>
+          </p:cNvSpPr>
+          <p:nvPr>
+            <p:extLst>
+              <p:ext uri="{386F3935-93C4-4BCD-93E2-E3B085C9AB24}">
+                <p16:designElem xmlns:p16="http://schemas.microsoft.com/office/powerpoint/2015/main" val="1"/>
+              </p:ext>
+            </p:extLst>
+          </p:nvPr>
+        </p:nvSpPr>
+        <p:spPr>
+          <a:xfrm>
+            <a:off x="0" y="0"/>
+            <a:ext cx="457200" cy="6858000"/>
+          </a:xfrm>
+          <a:prstGeom prst="rect">
+            <a:avLst/>
+          </a:prstGeom>
+          <a:solidFill>
+            <a:schemeClr val="accent1"/>
+          </a:solidFill>
+          <a:ln>
+            <a:noFill/>
+          </a:ln>
+        </p:spPr>
+        <p:style>
+          <a:lnRef idx="2">
+            <a:schemeClr val="accent1">
+              <a:shade val="50000"/>
+            </a:schemeClr>
+          </a:lnRef>
+          <a:fillRef idx="1">
+            <a:schemeClr val="accent1"/>
+          </a:fillRef>
+          <a:effectRef idx="0">
+            <a:schemeClr val="accent1"/>
+          </a:effectRef>
+          <a:fontRef idx="minor">
+            <a:schemeClr val="lt1"/>
+          </a:fontRef>
+        </p:style>
+        <p:txBody>
+          <a:bodyPr/>
+          <a:lstStyle/>
+          <a:p>
+            <a:endParaRPr lang="en-US"/>
+          </a:p>
+        </p:txBody>
+      </p:sp>
+      <p:sp>
+        <p:nvSpPr>
+          <p:cNvPr id="14" name="Rectangle 13">
+            <a:extLst>
+              <a:ext uri="{FF2B5EF4-FFF2-40B4-BE49-F238E27FC236}">
+                <a16:creationId xmlns:a16="http://schemas.microsoft.com/office/drawing/2014/main" id="{B298ECBA-3258-45DF-8FD4-7581736BCCBC}"/>
+              </a:ext>
+              <a:ext uri="{C183D7F6-B498-43B3-948B-1728B52AA6E4}">
+                <adec:decorative xmlns:adec="http://schemas.microsoft.com/office/drawing/2017/decorative" val="1"/>
+              </a:ext>
+            </a:extLst>
+          </p:cNvPr>
+          <p:cNvSpPr>
+            <a:spLocks noGrp="1" noRot="1" noChangeAspect="1" noMove="1" noResize="1" noEditPoints="1" noAdjustHandles="1" noChangeArrowheads="1" noChangeShapeType="1" noTextEdit="1"/>
+          </p:cNvSpPr>
+          <p:nvPr>
+            <p:extLst>
+              <p:ext uri="{386F3935-93C4-4BCD-93E2-E3B085C9AB24}">
+                <p16:designElem xmlns:p16="http://schemas.microsoft.com/office/powerpoint/2015/main" val="1"/>
+              </p:ext>
+            </p:extLst>
+          </p:nvPr>
+        </p:nvSpPr>
+        <p:spPr>
+          <a:xfrm>
+            <a:off x="0" y="-3244"/>
+            <a:ext cx="457200" cy="6858000"/>
+          </a:xfrm>
+          <a:prstGeom prst="rect">
+            <a:avLst/>
+          </a:prstGeom>
+          <a:solidFill>
+            <a:srgbClr val="6F6F74"/>
+          </a:solidFill>
+          <a:ln>
+            <a:noFill/>
+          </a:ln>
+        </p:spPr>
+        <p:style>
+          <a:lnRef idx="2">
+            <a:schemeClr val="accent1">
+              <a:shade val="50000"/>
+            </a:schemeClr>
+          </a:lnRef>
+          <a:fillRef idx="1">
+            <a:schemeClr val="accent1"/>
+          </a:fillRef>
+          <a:effectRef idx="0">
+            <a:schemeClr val="accent1"/>
+          </a:effectRef>
+          <a:fontRef idx="minor">
+            <a:schemeClr val="lt1"/>
+          </a:fontRef>
+        </p:style>
+        <p:txBody>
+          <a:bodyPr rtlCol="0" anchor="ctr"/>
+          <a:lstStyle/>
+          <a:p>
+            <a:pPr algn="ctr"/>
+            <a:endParaRPr lang="en-US"/>
+          </a:p>
+        </p:txBody>
+      </p:sp>
+      <p:sp>
+        <p:nvSpPr>
+          <p:cNvPr id="16" name="Rectangle 15">
+            <a:extLst>
+              <a:ext uri="{FF2B5EF4-FFF2-40B4-BE49-F238E27FC236}">
+                <a16:creationId xmlns:a16="http://schemas.microsoft.com/office/drawing/2014/main" id="{B62BF453-BD82-4B90-9FE7-51703133806E}"/>
+              </a:ext>
+              <a:ext uri="{C183D7F6-B498-43B3-948B-1728B52AA6E4}">
+                <adec:decorative xmlns:adec="http://schemas.microsoft.com/office/drawing/2017/decorative" val="1"/>
+              </a:ext>
+            </a:extLst>
+          </p:cNvPr>
+          <p:cNvSpPr>
+            <a:spLocks noGrp="1" noRot="1" noChangeAspect="1" noMove="1" noResize="1" noEditPoints="1" noAdjustHandles="1" noChangeArrowheads="1" noChangeShapeType="1" noTextEdit="1"/>
+          </p:cNvSpPr>
+          <p:nvPr>
+            <p:extLst>
+              <p:ext uri="{386F3935-93C4-4BCD-93E2-E3B085C9AB24}">
+                <p16:designElem xmlns:p16="http://schemas.microsoft.com/office/powerpoint/2015/main" val="1"/>
+              </p:ext>
+            </p:extLst>
+          </p:nvPr>
+        </p:nvSpPr>
+        <p:spPr>
+          <a:xfrm>
+            <a:off x="457200" y="0"/>
+            <a:ext cx="10835640" cy="6858000"/>
+          </a:xfrm>
+          <a:prstGeom prst="rect">
+            <a:avLst/>
+          </a:prstGeom>
+          <a:solidFill>
+            <a:srgbClr val="353537"/>
+          </a:solidFill>
+          <a:ln>
+            <a:noFill/>
+          </a:ln>
+        </p:spPr>
+        <p:style>
+          <a:lnRef idx="2">
+            <a:schemeClr val="accent1">
+              <a:shade val="50000"/>
+            </a:schemeClr>
+          </a:lnRef>
+          <a:fillRef idx="1">
+            <a:schemeClr val="accent1"/>
+          </a:fillRef>
+          <a:effectRef idx="0">
+            <a:schemeClr val="accent1"/>
+          </a:effectRef>
+          <a:fontRef idx="minor">
+            <a:schemeClr val="lt1"/>
+          </a:fontRef>
+        </p:style>
+        <p:txBody>
+          <a:bodyPr/>
+          <a:lstStyle/>
+          <a:p>
+            <a:endParaRPr lang="en-US"/>
+          </a:p>
+        </p:txBody>
+      </p:sp>
+      <p:sp>
+        <p:nvSpPr>
+          <p:cNvPr id="2" name="Title 1">
+            <a:extLst>
+              <a:ext uri="{FF2B5EF4-FFF2-40B4-BE49-F238E27FC236}">
+                <a16:creationId xmlns:a16="http://schemas.microsoft.com/office/drawing/2014/main" id="{85847496-4BB8-AE4B-CEDF-17F8B27BA7FE}"/>
+              </a:ext>
+            </a:extLst>
+          </p:cNvPr>
+          <p:cNvSpPr>
+            <a:spLocks noGrp="1"/>
+          </p:cNvSpPr>
+          <p:nvPr>
+            <p:ph type="title"/>
+          </p:nvPr>
+        </p:nvSpPr>
+        <p:spPr>
+          <a:xfrm>
+            <a:off x="8318090" y="758952"/>
+            <a:ext cx="2802194" cy="2670048"/>
+          </a:xfrm>
+        </p:spPr>
+        <p:txBody>
+          <a:bodyPr vert="horz" lIns="91440" tIns="45720" rIns="91440" bIns="45720" rtlCol="0" anchor="b">
+            <a:normAutofit/>
+          </a:bodyPr>
+          <a:lstStyle/>
+          <a:p>
+            <a:pPr>
+              <a:lnSpc>
+                <a:spcPct val="85000"/>
+              </a:lnSpc>
+            </a:pPr>
+            <a:r>
+              <a:rPr lang="en-US" sz="3700" dirty="0">
+                <a:solidFill>
+                  <a:srgbClr val="FFFFFF"/>
+                </a:solidFill>
+              </a:rPr>
+              <a:t>Etapa II : </a:t>
+            </a:r>
+            <a:r>
+              <a:rPr lang="en-US" sz="3700" dirty="0" err="1">
+                <a:solidFill>
+                  <a:srgbClr val="FFFFFF"/>
+                </a:solidFill>
+              </a:rPr>
+              <a:t>Masuratori</a:t>
+            </a:r>
+            <a:r>
+              <a:rPr lang="en-US" sz="3700" dirty="0">
+                <a:solidFill>
+                  <a:srgbClr val="FFFFFF"/>
+                </a:solidFill>
+              </a:rPr>
+              <a:t> </a:t>
+            </a:r>
+            <a:r>
+              <a:rPr lang="en-US" sz="3700" dirty="0" err="1">
+                <a:solidFill>
+                  <a:srgbClr val="FFFFFF"/>
+                </a:solidFill>
+              </a:rPr>
+              <a:t>si</a:t>
+            </a:r>
+            <a:r>
+              <a:rPr lang="en-US" sz="3700" dirty="0">
+                <a:solidFill>
+                  <a:srgbClr val="FFFFFF"/>
+                </a:solidFill>
+              </a:rPr>
+              <a:t> </a:t>
+            </a:r>
+            <a:r>
+              <a:rPr lang="en-US" sz="3700" dirty="0" err="1">
+                <a:solidFill>
+                  <a:srgbClr val="FFFFFF"/>
+                </a:solidFill>
+              </a:rPr>
+              <a:t>rezultate</a:t>
+            </a:r>
+            <a:endParaRPr lang="en-US" sz="3700" dirty="0">
+              <a:solidFill>
+                <a:srgbClr val="FFFFFF"/>
+              </a:solidFill>
+            </a:endParaRPr>
+          </a:p>
+        </p:txBody>
+      </p:sp>
+      <p:sp>
+        <p:nvSpPr>
+          <p:cNvPr id="7" name="TextBox 6">
+            <a:extLst>
+              <a:ext uri="{FF2B5EF4-FFF2-40B4-BE49-F238E27FC236}">
+                <a16:creationId xmlns:a16="http://schemas.microsoft.com/office/drawing/2014/main" id="{D1F69C72-1114-0D38-D055-0A8BCDB2E0F7}"/>
+              </a:ext>
+            </a:extLst>
+          </p:cNvPr>
+          <p:cNvSpPr txBox="1"/>
+          <p:nvPr/>
+        </p:nvSpPr>
+        <p:spPr>
+          <a:xfrm>
+            <a:off x="8251967" y="4187952"/>
+            <a:ext cx="2802195" cy="1691640"/>
+          </a:xfrm>
+          <a:prstGeom prst="rect">
+            <a:avLst/>
+          </a:prstGeom>
+        </p:spPr>
+        <p:txBody>
+          <a:bodyPr vert="horz" lIns="91440" tIns="45720" rIns="91440" bIns="45720" rtlCol="0">
+            <a:normAutofit/>
+          </a:bodyPr>
+          <a:lstStyle/>
+          <a:p>
+            <a:pPr defTabSz="914400">
+              <a:lnSpc>
+                <a:spcPct val="95000"/>
+              </a:lnSpc>
+              <a:spcBef>
+                <a:spcPts val="1400"/>
+              </a:spcBef>
+              <a:spcAft>
+                <a:spcPts val="200"/>
+              </a:spcAft>
+              <a:buClr>
+                <a:schemeClr val="accent1"/>
+              </a:buClr>
+              <a:buSzPct val="80000"/>
+            </a:pPr>
+            <a:r>
+              <a:rPr lang="en-US" sz="3600" spc="10" dirty="0" err="1">
+                <a:solidFill>
+                  <a:srgbClr val="D9D9D9"/>
+                </a:solidFill>
+              </a:rPr>
+              <a:t>Precizia</a:t>
+            </a:r>
+            <a:r>
+              <a:rPr lang="en-US" sz="3600" spc="10" dirty="0">
+                <a:solidFill>
+                  <a:srgbClr val="D9D9D9"/>
+                </a:solidFill>
+              </a:rPr>
+              <a:t> </a:t>
+            </a:r>
+            <a:r>
+              <a:rPr lang="en-US" sz="3600" spc="10" dirty="0" err="1">
+                <a:solidFill>
+                  <a:srgbClr val="D9D9D9"/>
+                </a:solidFill>
+              </a:rPr>
+              <a:t>detectiei</a:t>
+            </a:r>
+            <a:endParaRPr lang="en-US" sz="3600" spc="10" dirty="0">
+              <a:solidFill>
+                <a:srgbClr val="D9D9D9"/>
+              </a:solidFill>
+            </a:endParaRPr>
+          </a:p>
+        </p:txBody>
+      </p:sp>
+      <p:sp useBgFill="1">
+        <p:nvSpPr>
+          <p:cNvPr id="18" name="Rectangle 17">
+            <a:extLst>
+              <a:ext uri="{FF2B5EF4-FFF2-40B4-BE49-F238E27FC236}">
+                <a16:creationId xmlns:a16="http://schemas.microsoft.com/office/drawing/2014/main" id="{072366D3-9B5C-42E1-9906-77FF6BB55EAB}"/>
+              </a:ext>
+              <a:ext uri="{C183D7F6-B498-43B3-948B-1728B52AA6E4}">
+                <adec:decorative xmlns:adec="http://schemas.microsoft.com/office/drawing/2017/decorative" val="1"/>
+              </a:ext>
+            </a:extLst>
+          </p:cNvPr>
+          <p:cNvSpPr>
+            <a:spLocks noGrp="1" noRot="1" noChangeAspect="1" noMove="1" noResize="1" noEditPoints="1" noAdjustHandles="1" noChangeArrowheads="1" noChangeShapeType="1" noTextEdit="1"/>
+          </p:cNvSpPr>
+          <p:nvPr>
+            <p:extLst>
+              <p:ext uri="{386F3935-93C4-4BCD-93E2-E3B085C9AB24}">
+                <p16:designElem xmlns:p16="http://schemas.microsoft.com/office/powerpoint/2015/main" val="1"/>
+              </p:ext>
+            </p:extLst>
+          </p:nvPr>
+        </p:nvSpPr>
+        <p:spPr>
+          <a:xfrm>
+            <a:off x="452283" y="0"/>
+            <a:ext cx="7561007" cy="6858000"/>
+          </a:xfrm>
+          <a:prstGeom prst="rect">
+            <a:avLst/>
+          </a:prstGeom>
+          <a:ln>
+            <a:noFill/>
+          </a:ln>
+        </p:spPr>
+        <p:style>
+          <a:lnRef idx="2">
+            <a:schemeClr val="accent1">
+              <a:shade val="50000"/>
+            </a:schemeClr>
+          </a:lnRef>
+          <a:fillRef idx="1">
+            <a:schemeClr val="accent1"/>
+          </a:fillRef>
+          <a:effectRef idx="0">
+            <a:schemeClr val="accent1"/>
+          </a:effectRef>
+          <a:fontRef idx="minor">
+            <a:schemeClr val="lt1"/>
+          </a:fontRef>
+        </p:style>
+        <p:txBody>
+          <a:bodyPr rtlCol="0" anchor="ctr"/>
+          <a:lstStyle/>
+          <a:p>
+            <a:pPr algn="ctr"/>
+            <a:endParaRPr lang="en-US"/>
+          </a:p>
+        </p:txBody>
+      </p:sp>
+      <p:pic>
+        <p:nvPicPr>
+          <p:cNvPr id="6" name="Content Placeholder 5" descr="A graph with a blue line&#10;&#10;Description automatically generated">
+            <a:extLst>
+              <a:ext uri="{FF2B5EF4-FFF2-40B4-BE49-F238E27FC236}">
+                <a16:creationId xmlns:a16="http://schemas.microsoft.com/office/drawing/2014/main" id="{E2A8FBA1-3C5D-A5A1-6C18-58661BAC70C6}"/>
+              </a:ext>
+            </a:extLst>
+          </p:cNvPr>
+          <p:cNvPicPr>
+            <a:picLocks noGrp="1" noChangeAspect="1"/>
+          </p:cNvPicPr>
+          <p:nvPr>
+            <p:ph idx="1"/>
+          </p:nvPr>
+        </p:nvPicPr>
+        <p:blipFill>
+          <a:blip r:embed="rId2">
+            <a:extLst>
+              <a:ext uri="{28A0092B-C50C-407E-A947-70E740481C1C}">
+                <a14:useLocalDpi xmlns:a14="http://schemas.microsoft.com/office/drawing/2010/main" val="0"/>
+              </a:ext>
+            </a:extLst>
+          </a:blip>
+          <a:stretch>
+            <a:fillRect/>
+          </a:stretch>
+        </p:blipFill>
+        <p:spPr>
+          <a:xfrm>
+            <a:off x="924375" y="1217390"/>
+            <a:ext cx="6616823" cy="4416731"/>
+          </a:xfrm>
+          <a:prstGeom prst="rect">
+            <a:avLst/>
+          </a:prstGeom>
+        </p:spPr>
+      </p:pic>
+      <p:sp>
+        <p:nvSpPr>
+          <p:cNvPr id="20" name="Rectangle 19">
+            <a:extLst>
+              <a:ext uri="{FF2B5EF4-FFF2-40B4-BE49-F238E27FC236}">
+                <a16:creationId xmlns:a16="http://schemas.microsoft.com/office/drawing/2014/main" id="{121F5E60-4E89-4B16-A245-12BD9935998D}"/>
+              </a:ext>
+              <a:ext uri="{C183D7F6-B498-43B3-948B-1728B52AA6E4}">
+                <adec:decorative xmlns:adec="http://schemas.microsoft.com/office/drawing/2017/decorative" val="1"/>
+              </a:ext>
+            </a:extLst>
+          </p:cNvPr>
+          <p:cNvSpPr>
+            <a:spLocks noGrp="1" noRot="1" noChangeAspect="1" noMove="1" noResize="1" noEditPoints="1" noAdjustHandles="1" noChangeArrowheads="1" noChangeShapeType="1" noTextEdit="1"/>
+          </p:cNvSpPr>
+          <p:nvPr>
+            <p:extLst>
+              <p:ext uri="{386F3935-93C4-4BCD-93E2-E3B085C9AB24}">
+                <p16:designElem xmlns:p16="http://schemas.microsoft.com/office/powerpoint/2015/main" val="1"/>
+              </p:ext>
+            </p:extLst>
+          </p:nvPr>
+        </p:nvSpPr>
+        <p:spPr>
+          <a:xfrm>
+            <a:off x="11292840" y="0"/>
+            <a:ext cx="899160" cy="6858000"/>
+          </a:xfrm>
+          <a:prstGeom prst="rect">
+            <a:avLst/>
+          </a:prstGeom>
+          <a:solidFill>
+            <a:srgbClr val="353537"/>
+          </a:solidFill>
+          <a:ln>
+            <a:noFill/>
+          </a:ln>
+        </p:spPr>
+        <p:style>
+          <a:lnRef idx="2">
+            <a:schemeClr val="accent1">
+              <a:shade val="50000"/>
+            </a:schemeClr>
+          </a:lnRef>
+          <a:fillRef idx="1">
+            <a:schemeClr val="accent1"/>
+          </a:fillRef>
+          <a:effectRef idx="0">
+            <a:schemeClr val="accent1"/>
+          </a:effectRef>
+          <a:fontRef idx="minor">
+            <a:schemeClr val="lt1"/>
+          </a:fontRef>
+        </p:style>
+        <p:txBody>
+          <a:bodyPr rtlCol="0" anchor="ctr"/>
+          <a:lstStyle/>
+          <a:p>
+            <a:pPr algn="ctr"/>
+            <a:endParaRPr lang="en-US"/>
+          </a:p>
+        </p:txBody>
+      </p:sp>
+      <p:sp>
+        <p:nvSpPr>
+          <p:cNvPr id="4" name="Date Placeholder 3">
+            <a:extLst>
+              <a:ext uri="{FF2B5EF4-FFF2-40B4-BE49-F238E27FC236}">
+                <a16:creationId xmlns:a16="http://schemas.microsoft.com/office/drawing/2014/main" id="{2248E801-84F5-CB2B-9202-D4D33A9FCFA1}"/>
+              </a:ext>
+            </a:extLst>
+          </p:cNvPr>
+          <p:cNvSpPr>
+            <a:spLocks noGrp="1"/>
+          </p:cNvSpPr>
+          <p:nvPr>
+            <p:ph type="dt" sz="half" idx="10"/>
+          </p:nvPr>
+        </p:nvSpPr>
+        <p:spPr>
+          <a:xfrm rot="16200000">
+            <a:off x="10797542" y="998537"/>
+            <a:ext cx="1904999" cy="365125"/>
+          </a:xfrm>
+        </p:spPr>
+        <p:txBody>
+          <a:bodyPr vert="horz" lIns="91440" tIns="45720" rIns="91440" bIns="45720" rtlCol="0" anchor="ctr">
+            <a:normAutofit/>
+          </a:bodyPr>
+          <a:lstStyle/>
+          <a:p>
+            <a:pPr>
+              <a:spcAft>
+                <a:spcPts val="600"/>
+              </a:spcAft>
+            </a:pPr>
+            <a:fld id="{5BDCABB6-D211-4A3C-A8D0-30CDF488E3C0}" type="datetime1">
+              <a:rPr lang="en-US">
+                <a:solidFill>
+                  <a:srgbClr val="7F7F7F"/>
+                </a:solidFill>
+              </a:rPr>
+              <a:pPr>
+                <a:spcAft>
+                  <a:spcPts val="600"/>
+                </a:spcAft>
+              </a:pPr>
+              <a:t>11/21/2024</a:t>
+            </a:fld>
+            <a:endParaRPr lang="en-US">
+              <a:solidFill>
+                <a:srgbClr val="7F7F7F"/>
+              </a:solidFill>
+            </a:endParaRPr>
+          </a:p>
+        </p:txBody>
+      </p:sp>
+    </p:spTree>
+    <p:extLst>
+      <p:ext uri="{BB962C8B-B14F-4D97-AF65-F5344CB8AC3E}">
+        <p14:creationId xmlns:p14="http://schemas.microsoft.com/office/powerpoint/2010/main" val="1743813134"/>
+      </p:ext>
+    </p:extLst>
+  </p:cSld>
+  <p:clrMapOvr>
+    <a:masterClrMapping/>
+  </p:clrMapOvr>
+  <p:transition spd="med">
+    <p:pull/>
+  </p:transition>
+</p:sld>
+</file>
+
+<file path=ppt/slides/slide12.xml><?xml version="1.0" encoding="utf-8"?>
+<p:sld xmlns:a="http://schemas.openxmlformats.org/drawingml/2006/main" xmlns:r="http://schemas.openxmlformats.org/officeDocument/2006/relationships" xmlns:p="http://schemas.openxmlformats.org/presentationml/2006/main">
+  <p:cSld>
+    <p:bg>
+      <p:bgPr>
+        <a:solidFill>
+          <a:schemeClr val="bg1"/>
+        </a:solidFill>
+        <a:effectLst/>
+      </p:bgPr>
+    </p:bg>
+    <p:spTree>
+      <p:nvGrpSpPr>
+        <p:cNvPr id="1" name="">
+          <a:extLst>
+            <a:ext uri="{FF2B5EF4-FFF2-40B4-BE49-F238E27FC236}">
+              <a16:creationId xmlns:a16="http://schemas.microsoft.com/office/drawing/2014/main" id="{6C9ACBC5-15F4-E1F0-6435-9BFDBB8662C3}"/>
+            </a:ext>
+          </a:extLst>
+        </p:cNvPr>
+        <p:cNvGrpSpPr/>
+        <p:nvPr/>
+      </p:nvGrpSpPr>
+      <p:grpSpPr>
+        <a:xfrm>
+          <a:off x="0" y="0"/>
+          <a:ext cx="0" cy="0"/>
+          <a:chOff x="0" y="0"/>
+          <a:chExt cx="0" cy="0"/>
+        </a:xfrm>
+      </p:grpSpPr>
+      <p:sp>
+        <p:nvSpPr>
+          <p:cNvPr id="12" name="Rectangle 11">
+            <a:extLst>
+              <a:ext uri="{FF2B5EF4-FFF2-40B4-BE49-F238E27FC236}">
+                <a16:creationId xmlns:a16="http://schemas.microsoft.com/office/drawing/2014/main" id="{DC0517A4-F2EF-CC7F-116E-4E169CC09BBA}"/>
+              </a:ext>
+              <a:ext uri="{C183D7F6-B498-43B3-948B-1728B52AA6E4}">
+                <adec:decorative xmlns:adec="http://schemas.microsoft.com/office/drawing/2017/decorative" val="1"/>
+              </a:ext>
+            </a:extLst>
+          </p:cNvPr>
+          <p:cNvSpPr>
+            <a:spLocks noGrp="1" noRot="1" noChangeAspect="1" noMove="1" noResize="1" noEditPoints="1" noAdjustHandles="1" noChangeArrowheads="1" noChangeShapeType="1" noTextEdit="1"/>
+          </p:cNvSpPr>
+          <p:nvPr>
+            <p:extLst>
+              <p:ext uri="{386F3935-93C4-4BCD-93E2-E3B085C9AB24}">
+                <p16:designElem xmlns:p16="http://schemas.microsoft.com/office/powerpoint/2015/main" val="1"/>
+              </p:ext>
+            </p:extLst>
+          </p:nvPr>
+        </p:nvSpPr>
+        <p:spPr>
+          <a:xfrm>
+            <a:off x="0" y="0"/>
+            <a:ext cx="457200" cy="6858000"/>
+          </a:xfrm>
+          <a:prstGeom prst="rect">
+            <a:avLst/>
+          </a:prstGeom>
+          <a:solidFill>
+            <a:schemeClr val="accent1"/>
+          </a:solidFill>
+          <a:ln>
+            <a:noFill/>
+          </a:ln>
+        </p:spPr>
+        <p:style>
+          <a:lnRef idx="2">
+            <a:schemeClr val="accent1">
+              <a:shade val="50000"/>
+            </a:schemeClr>
+          </a:lnRef>
+          <a:fillRef idx="1">
+            <a:schemeClr val="accent1"/>
+          </a:fillRef>
+          <a:effectRef idx="0">
+            <a:schemeClr val="accent1"/>
+          </a:effectRef>
+          <a:fontRef idx="minor">
+            <a:schemeClr val="lt1"/>
+          </a:fontRef>
+        </p:style>
+        <p:txBody>
+          <a:bodyPr/>
+          <a:lstStyle/>
+          <a:p>
+            <a:endParaRPr lang="en-US"/>
+          </a:p>
+        </p:txBody>
+      </p:sp>
+      <p:sp>
+        <p:nvSpPr>
+          <p:cNvPr id="14" name="Rectangle 13">
+            <a:extLst>
+              <a:ext uri="{FF2B5EF4-FFF2-40B4-BE49-F238E27FC236}">
+                <a16:creationId xmlns:a16="http://schemas.microsoft.com/office/drawing/2014/main" id="{5A427DC2-BEBA-2EC6-53E2-FBB48C27DFE5}"/>
+              </a:ext>
+              <a:ext uri="{C183D7F6-B498-43B3-948B-1728B52AA6E4}">
+                <adec:decorative xmlns:adec="http://schemas.microsoft.com/office/drawing/2017/decorative" val="1"/>
+              </a:ext>
+            </a:extLst>
+          </p:cNvPr>
+          <p:cNvSpPr>
+            <a:spLocks noGrp="1" noRot="1" noChangeAspect="1" noMove="1" noResize="1" noEditPoints="1" noAdjustHandles="1" noChangeArrowheads="1" noChangeShapeType="1" noTextEdit="1"/>
+          </p:cNvSpPr>
+          <p:nvPr>
+            <p:extLst>
+              <p:ext uri="{386F3935-93C4-4BCD-93E2-E3B085C9AB24}">
+                <p16:designElem xmlns:p16="http://schemas.microsoft.com/office/powerpoint/2015/main" val="1"/>
+              </p:ext>
+            </p:extLst>
+          </p:nvPr>
+        </p:nvSpPr>
+        <p:spPr>
+          <a:xfrm>
+            <a:off x="0" y="-3244"/>
+            <a:ext cx="457200" cy="6858000"/>
+          </a:xfrm>
+          <a:prstGeom prst="rect">
+            <a:avLst/>
+          </a:prstGeom>
+          <a:solidFill>
+            <a:srgbClr val="6F6F74"/>
+          </a:solidFill>
+          <a:ln>
+            <a:noFill/>
+          </a:ln>
+        </p:spPr>
+        <p:style>
+          <a:lnRef idx="2">
+            <a:schemeClr val="accent1">
+              <a:shade val="50000"/>
+            </a:schemeClr>
+          </a:lnRef>
+          <a:fillRef idx="1">
+            <a:schemeClr val="accent1"/>
+          </a:fillRef>
+          <a:effectRef idx="0">
+            <a:schemeClr val="accent1"/>
+          </a:effectRef>
+          <a:fontRef idx="minor">
+            <a:schemeClr val="lt1"/>
+          </a:fontRef>
+        </p:style>
+        <p:txBody>
+          <a:bodyPr rtlCol="0" anchor="ctr"/>
+          <a:lstStyle/>
+          <a:p>
+            <a:pPr algn="ctr"/>
+            <a:endParaRPr lang="en-US"/>
+          </a:p>
+        </p:txBody>
+      </p:sp>
+      <p:sp>
+        <p:nvSpPr>
+          <p:cNvPr id="16" name="Rectangle 15">
+            <a:extLst>
+              <a:ext uri="{FF2B5EF4-FFF2-40B4-BE49-F238E27FC236}">
+                <a16:creationId xmlns:a16="http://schemas.microsoft.com/office/drawing/2014/main" id="{D4FE305D-910A-3E1C-32D2-BAAF64B66A20}"/>
+              </a:ext>
+              <a:ext uri="{C183D7F6-B498-43B3-948B-1728B52AA6E4}">
+                <adec:decorative xmlns:adec="http://schemas.microsoft.com/office/drawing/2017/decorative" val="1"/>
+              </a:ext>
+            </a:extLst>
+          </p:cNvPr>
+          <p:cNvSpPr>
+            <a:spLocks noGrp="1" noRot="1" noChangeAspect="1" noMove="1" noResize="1" noEditPoints="1" noAdjustHandles="1" noChangeArrowheads="1" noChangeShapeType="1" noTextEdit="1"/>
+          </p:cNvSpPr>
+          <p:nvPr>
+            <p:extLst>
+              <p:ext uri="{386F3935-93C4-4BCD-93E2-E3B085C9AB24}">
+                <p16:designElem xmlns:p16="http://schemas.microsoft.com/office/powerpoint/2015/main" val="1"/>
+              </p:ext>
+            </p:extLst>
+          </p:nvPr>
+        </p:nvSpPr>
+        <p:spPr>
+          <a:xfrm>
+            <a:off x="457200" y="0"/>
+            <a:ext cx="10835640" cy="6858000"/>
+          </a:xfrm>
+          <a:prstGeom prst="rect">
+            <a:avLst/>
+          </a:prstGeom>
+          <a:solidFill>
+            <a:srgbClr val="353537"/>
+          </a:solidFill>
+          <a:ln>
+            <a:noFill/>
+          </a:ln>
+        </p:spPr>
+        <p:style>
+          <a:lnRef idx="2">
+            <a:schemeClr val="accent1">
+              <a:shade val="50000"/>
+            </a:schemeClr>
+          </a:lnRef>
+          <a:fillRef idx="1">
+            <a:schemeClr val="accent1"/>
+          </a:fillRef>
+          <a:effectRef idx="0">
+            <a:schemeClr val="accent1"/>
+          </a:effectRef>
+          <a:fontRef idx="minor">
+            <a:schemeClr val="lt1"/>
+          </a:fontRef>
+        </p:style>
+        <p:txBody>
+          <a:bodyPr/>
+          <a:lstStyle/>
+          <a:p>
+            <a:endParaRPr lang="en-US"/>
+          </a:p>
+        </p:txBody>
+      </p:sp>
+      <p:sp>
+        <p:nvSpPr>
+          <p:cNvPr id="2" name="Title 1">
+            <a:extLst>
+              <a:ext uri="{FF2B5EF4-FFF2-40B4-BE49-F238E27FC236}">
+                <a16:creationId xmlns:a16="http://schemas.microsoft.com/office/drawing/2014/main" id="{25D560C1-058C-5114-6038-E40E403A0BD5}"/>
+              </a:ext>
+            </a:extLst>
+          </p:cNvPr>
+          <p:cNvSpPr>
+            <a:spLocks noGrp="1"/>
+          </p:cNvSpPr>
+          <p:nvPr>
+            <p:ph type="title"/>
+          </p:nvPr>
+        </p:nvSpPr>
+        <p:spPr>
+          <a:xfrm>
+            <a:off x="8318090" y="758952"/>
+            <a:ext cx="2802194" cy="2670048"/>
+          </a:xfrm>
+        </p:spPr>
+        <p:txBody>
+          <a:bodyPr vert="horz" lIns="91440" tIns="45720" rIns="91440" bIns="45720" rtlCol="0" anchor="b">
+            <a:normAutofit/>
+          </a:bodyPr>
+          <a:lstStyle/>
+          <a:p>
+            <a:pPr>
+              <a:lnSpc>
+                <a:spcPct val="85000"/>
+              </a:lnSpc>
+            </a:pPr>
+            <a:r>
+              <a:rPr lang="en-US" sz="3700" dirty="0">
+                <a:solidFill>
+                  <a:srgbClr val="FFFFFF"/>
+                </a:solidFill>
+              </a:rPr>
+              <a:t>Etapa II : </a:t>
+            </a:r>
+            <a:r>
+              <a:rPr lang="en-US" sz="3700" dirty="0" err="1">
+                <a:solidFill>
+                  <a:srgbClr val="FFFFFF"/>
+                </a:solidFill>
+              </a:rPr>
+              <a:t>Masuratori</a:t>
+            </a:r>
+            <a:r>
+              <a:rPr lang="en-US" sz="3700" dirty="0">
+                <a:solidFill>
+                  <a:srgbClr val="FFFFFF"/>
+                </a:solidFill>
+              </a:rPr>
+              <a:t> </a:t>
+            </a:r>
+            <a:r>
+              <a:rPr lang="en-US" sz="3700" dirty="0" err="1">
+                <a:solidFill>
+                  <a:srgbClr val="FFFFFF"/>
+                </a:solidFill>
+              </a:rPr>
+              <a:t>si</a:t>
+            </a:r>
+            <a:r>
+              <a:rPr lang="en-US" sz="3700" dirty="0">
+                <a:solidFill>
+                  <a:srgbClr val="FFFFFF"/>
+                </a:solidFill>
+              </a:rPr>
+              <a:t> </a:t>
+            </a:r>
+            <a:r>
+              <a:rPr lang="en-US" sz="3700" dirty="0" err="1">
+                <a:solidFill>
+                  <a:srgbClr val="FFFFFF"/>
+                </a:solidFill>
+              </a:rPr>
+              <a:t>rezultate</a:t>
+            </a:r>
+            <a:endParaRPr lang="en-US" sz="3700" dirty="0">
+              <a:solidFill>
+                <a:srgbClr val="FFFFFF"/>
+              </a:solidFill>
+            </a:endParaRPr>
+          </a:p>
+        </p:txBody>
+      </p:sp>
+      <p:sp>
+        <p:nvSpPr>
+          <p:cNvPr id="7" name="TextBox 6">
+            <a:extLst>
+              <a:ext uri="{FF2B5EF4-FFF2-40B4-BE49-F238E27FC236}">
+                <a16:creationId xmlns:a16="http://schemas.microsoft.com/office/drawing/2014/main" id="{3E2B8EA3-57CD-38E4-FE8D-D797373C7D20}"/>
+              </a:ext>
+            </a:extLst>
+          </p:cNvPr>
+          <p:cNvSpPr txBox="1"/>
+          <p:nvPr/>
+        </p:nvSpPr>
+        <p:spPr>
+          <a:xfrm>
+            <a:off x="8251967" y="4187952"/>
+            <a:ext cx="2802195" cy="1691640"/>
+          </a:xfrm>
+          <a:prstGeom prst="rect">
+            <a:avLst/>
+          </a:prstGeom>
+        </p:spPr>
+        <p:txBody>
+          <a:bodyPr vert="horz" lIns="91440" tIns="45720" rIns="91440" bIns="45720" rtlCol="0">
+            <a:normAutofit/>
+          </a:bodyPr>
+          <a:lstStyle/>
+          <a:p>
+            <a:pPr defTabSz="914400">
+              <a:lnSpc>
+                <a:spcPct val="95000"/>
+              </a:lnSpc>
+              <a:spcBef>
+                <a:spcPts val="1400"/>
+              </a:spcBef>
+              <a:spcAft>
+                <a:spcPts val="200"/>
+              </a:spcAft>
+              <a:buClr>
+                <a:schemeClr val="accent1"/>
+              </a:buClr>
+              <a:buSzPct val="80000"/>
+            </a:pPr>
+            <a:r>
+              <a:rPr lang="en-US" sz="3600" spc="10" dirty="0">
+                <a:solidFill>
+                  <a:srgbClr val="D9D9D9"/>
+                </a:solidFill>
+              </a:rPr>
+              <a:t>Recall</a:t>
+            </a:r>
+          </a:p>
+        </p:txBody>
+      </p:sp>
+      <p:sp useBgFill="1">
+        <p:nvSpPr>
+          <p:cNvPr id="18" name="Rectangle 17">
+            <a:extLst>
+              <a:ext uri="{FF2B5EF4-FFF2-40B4-BE49-F238E27FC236}">
+                <a16:creationId xmlns:a16="http://schemas.microsoft.com/office/drawing/2014/main" id="{0FC92808-918E-53E6-5813-3DB0FFDB2B4C}"/>
+              </a:ext>
+              <a:ext uri="{C183D7F6-B498-43B3-948B-1728B52AA6E4}">
+                <adec:decorative xmlns:adec="http://schemas.microsoft.com/office/drawing/2017/decorative" val="1"/>
+              </a:ext>
+            </a:extLst>
+          </p:cNvPr>
+          <p:cNvSpPr>
+            <a:spLocks noGrp="1" noRot="1" noChangeAspect="1" noMove="1" noResize="1" noEditPoints="1" noAdjustHandles="1" noChangeArrowheads="1" noChangeShapeType="1" noTextEdit="1"/>
+          </p:cNvSpPr>
+          <p:nvPr>
+            <p:extLst>
+              <p:ext uri="{386F3935-93C4-4BCD-93E2-E3B085C9AB24}">
+                <p16:designElem xmlns:p16="http://schemas.microsoft.com/office/powerpoint/2015/main" val="1"/>
+              </p:ext>
+            </p:extLst>
+          </p:nvPr>
+        </p:nvSpPr>
+        <p:spPr>
+          <a:xfrm>
+            <a:off x="452283" y="0"/>
+            <a:ext cx="7561007" cy="6858000"/>
+          </a:xfrm>
+          <a:prstGeom prst="rect">
+            <a:avLst/>
+          </a:prstGeom>
+          <a:ln>
+            <a:noFill/>
+          </a:ln>
+        </p:spPr>
+        <p:style>
+          <a:lnRef idx="2">
+            <a:schemeClr val="accent1">
+              <a:shade val="50000"/>
+            </a:schemeClr>
+          </a:lnRef>
+          <a:fillRef idx="1">
+            <a:schemeClr val="accent1"/>
+          </a:fillRef>
+          <a:effectRef idx="0">
+            <a:schemeClr val="accent1"/>
+          </a:effectRef>
+          <a:fontRef idx="minor">
+            <a:schemeClr val="lt1"/>
+          </a:fontRef>
+        </p:style>
+        <p:txBody>
+          <a:bodyPr rtlCol="0" anchor="ctr"/>
+          <a:lstStyle/>
+          <a:p>
+            <a:pPr algn="ctr"/>
+            <a:endParaRPr lang="en-US"/>
+          </a:p>
+        </p:txBody>
+      </p:sp>
+      <p:sp>
+        <p:nvSpPr>
+          <p:cNvPr id="20" name="Rectangle 19">
+            <a:extLst>
+              <a:ext uri="{FF2B5EF4-FFF2-40B4-BE49-F238E27FC236}">
+                <a16:creationId xmlns:a16="http://schemas.microsoft.com/office/drawing/2014/main" id="{5CBA7515-3592-2E04-819D-76F8DD84EA0B}"/>
+              </a:ext>
+              <a:ext uri="{C183D7F6-B498-43B3-948B-1728B52AA6E4}">
+                <adec:decorative xmlns:adec="http://schemas.microsoft.com/office/drawing/2017/decorative" val="1"/>
+              </a:ext>
+            </a:extLst>
+          </p:cNvPr>
+          <p:cNvSpPr>
+            <a:spLocks noGrp="1" noRot="1" noChangeAspect="1" noMove="1" noResize="1" noEditPoints="1" noAdjustHandles="1" noChangeArrowheads="1" noChangeShapeType="1" noTextEdit="1"/>
+          </p:cNvSpPr>
+          <p:nvPr>
+            <p:extLst>
+              <p:ext uri="{386F3935-93C4-4BCD-93E2-E3B085C9AB24}">
+                <p16:designElem xmlns:p16="http://schemas.microsoft.com/office/powerpoint/2015/main" val="1"/>
+              </p:ext>
+            </p:extLst>
+          </p:nvPr>
+        </p:nvSpPr>
+        <p:spPr>
+          <a:xfrm>
+            <a:off x="11292840" y="0"/>
+            <a:ext cx="899160" cy="6858000"/>
+          </a:xfrm>
+          <a:prstGeom prst="rect">
+            <a:avLst/>
+          </a:prstGeom>
+          <a:solidFill>
+            <a:srgbClr val="353537"/>
+          </a:solidFill>
+          <a:ln>
+            <a:noFill/>
+          </a:ln>
+        </p:spPr>
+        <p:style>
+          <a:lnRef idx="2">
+            <a:schemeClr val="accent1">
+              <a:shade val="50000"/>
+            </a:schemeClr>
+          </a:lnRef>
+          <a:fillRef idx="1">
+            <a:schemeClr val="accent1"/>
+          </a:fillRef>
+          <a:effectRef idx="0">
+            <a:schemeClr val="accent1"/>
+          </a:effectRef>
+          <a:fontRef idx="minor">
+            <a:schemeClr val="lt1"/>
+          </a:fontRef>
+        </p:style>
+        <p:txBody>
+          <a:bodyPr rtlCol="0" anchor="ctr"/>
+          <a:lstStyle/>
+          <a:p>
+            <a:pPr algn="ctr"/>
+            <a:endParaRPr lang="en-US"/>
+          </a:p>
+        </p:txBody>
+      </p:sp>
+      <p:sp>
+        <p:nvSpPr>
+          <p:cNvPr id="4" name="Date Placeholder 3">
+            <a:extLst>
+              <a:ext uri="{FF2B5EF4-FFF2-40B4-BE49-F238E27FC236}">
+                <a16:creationId xmlns:a16="http://schemas.microsoft.com/office/drawing/2014/main" id="{E5501796-817A-5F43-E596-F5381A5E8273}"/>
+              </a:ext>
+            </a:extLst>
+          </p:cNvPr>
+          <p:cNvSpPr>
+            <a:spLocks noGrp="1"/>
+          </p:cNvSpPr>
+          <p:nvPr>
+            <p:ph type="dt" sz="half" idx="10"/>
+          </p:nvPr>
+        </p:nvSpPr>
+        <p:spPr>
+          <a:xfrm rot="16200000">
+            <a:off x="10797542" y="998537"/>
+            <a:ext cx="1904999" cy="365125"/>
+          </a:xfrm>
+        </p:spPr>
+        <p:txBody>
+          <a:bodyPr vert="horz" lIns="91440" tIns="45720" rIns="91440" bIns="45720" rtlCol="0" anchor="ctr">
+            <a:normAutofit/>
+          </a:bodyPr>
+          <a:lstStyle/>
+          <a:p>
+            <a:pPr>
+              <a:spcAft>
+                <a:spcPts val="600"/>
+              </a:spcAft>
+            </a:pPr>
+            <a:fld id="{5BDCABB6-D211-4A3C-A8D0-30CDF488E3C0}" type="datetime1">
+              <a:rPr lang="en-US">
+                <a:solidFill>
+                  <a:srgbClr val="7F7F7F"/>
+                </a:solidFill>
+              </a:rPr>
+              <a:pPr>
+                <a:spcAft>
+                  <a:spcPts val="600"/>
+                </a:spcAft>
+              </a:pPr>
+              <a:t>11/21/2024</a:t>
+            </a:fld>
+            <a:endParaRPr lang="en-US">
+              <a:solidFill>
+                <a:srgbClr val="7F7F7F"/>
+              </a:solidFill>
+            </a:endParaRPr>
+          </a:p>
+        </p:txBody>
+      </p:sp>
+      <p:pic>
+        <p:nvPicPr>
+          <p:cNvPr id="9" name="Content Placeholder 8" descr="A blue line graph with white text&#10;&#10;Description automatically generated">
+            <a:extLst>
+              <a:ext uri="{FF2B5EF4-FFF2-40B4-BE49-F238E27FC236}">
+                <a16:creationId xmlns:a16="http://schemas.microsoft.com/office/drawing/2014/main" id="{4F8EE731-3319-883C-927D-7300591A48B3}"/>
+              </a:ext>
+            </a:extLst>
+          </p:cNvPr>
+          <p:cNvPicPr>
+            <a:picLocks noGrp="1" noChangeAspect="1"/>
+          </p:cNvPicPr>
+          <p:nvPr>
+            <p:ph idx="1"/>
+          </p:nvPr>
+        </p:nvPicPr>
+        <p:blipFill>
+          <a:blip r:embed="rId2">
+            <a:extLst>
+              <a:ext uri="{28A0092B-C50C-407E-A947-70E740481C1C}">
+                <a14:useLocalDpi xmlns:a14="http://schemas.microsoft.com/office/drawing/2010/main" val="0"/>
+              </a:ext>
+            </a:extLst>
+          </a:blip>
+          <a:stretch>
+            <a:fillRect/>
+          </a:stretch>
+        </p:blipFill>
+        <p:spPr>
+          <a:xfrm>
+            <a:off x="452283" y="1015635"/>
+            <a:ext cx="7485017" cy="4990011"/>
+          </a:xfrm>
+        </p:spPr>
+      </p:pic>
+    </p:spTree>
+    <p:extLst>
+      <p:ext uri="{BB962C8B-B14F-4D97-AF65-F5344CB8AC3E}">
+        <p14:creationId xmlns:p14="http://schemas.microsoft.com/office/powerpoint/2010/main" val="1326432309"/>
+      </p:ext>
+    </p:extLst>
+  </p:cSld>
+  <p:clrMapOvr>
+    <a:masterClrMapping/>
+  </p:clrMapOvr>
+  <p:transition spd="slow">
+    <p:cover/>
+  </p:transition>
+</p:sld>
+</file>
+
+<file path=ppt/slides/slide13.xml><?xml version="1.0" encoding="utf-8"?>
+<p:sld xmlns:a="http://schemas.openxmlformats.org/drawingml/2006/main" xmlns:r="http://schemas.openxmlformats.org/officeDocument/2006/relationships" xmlns:p="http://schemas.openxmlformats.org/presentationml/2006/main">
+  <p:cSld>
+    <p:bg>
+      <p:bgPr>
+        <a:solidFill>
+          <a:schemeClr val="bg1"/>
+        </a:solidFill>
+        <a:effectLst/>
+      </p:bgPr>
+    </p:bg>
+    <p:spTree>
+      <p:nvGrpSpPr>
+        <p:cNvPr id="1" name="">
+          <a:extLst>
+            <a:ext uri="{FF2B5EF4-FFF2-40B4-BE49-F238E27FC236}">
+              <a16:creationId xmlns:a16="http://schemas.microsoft.com/office/drawing/2014/main" id="{5A306789-36A3-A9A1-A840-76CB095F6264}"/>
+            </a:ext>
+          </a:extLst>
+        </p:cNvPr>
+        <p:cNvGrpSpPr/>
+        <p:nvPr/>
+      </p:nvGrpSpPr>
+      <p:grpSpPr>
+        <a:xfrm>
+          <a:off x="0" y="0"/>
+          <a:ext cx="0" cy="0"/>
+          <a:chOff x="0" y="0"/>
+          <a:chExt cx="0" cy="0"/>
+        </a:xfrm>
+      </p:grpSpPr>
+      <p:sp>
+        <p:nvSpPr>
+          <p:cNvPr id="25" name="Rectangle 24">
+            <a:extLst>
+              <a:ext uri="{FF2B5EF4-FFF2-40B4-BE49-F238E27FC236}">
+                <a16:creationId xmlns:a16="http://schemas.microsoft.com/office/drawing/2014/main" id="{5D5E0904-721C-4D68-9EB8-1C9752E329A7}"/>
+              </a:ext>
+              <a:ext uri="{C183D7F6-B498-43B3-948B-1728B52AA6E4}">
+                <adec:decorative xmlns:adec="http://schemas.microsoft.com/office/drawing/2017/decorative" val="1"/>
+              </a:ext>
+            </a:extLst>
+          </p:cNvPr>
+          <p:cNvSpPr>
+            <a:spLocks noGrp="1" noRot="1" noChangeAspect="1" noMove="1" noResize="1" noEditPoints="1" noAdjustHandles="1" noChangeArrowheads="1" noChangeShapeType="1" noTextEdit="1"/>
+          </p:cNvSpPr>
+          <p:nvPr>
+            <p:extLst>
+              <p:ext uri="{386F3935-93C4-4BCD-93E2-E3B085C9AB24}">
+                <p16:designElem xmlns:p16="http://schemas.microsoft.com/office/powerpoint/2015/main" val="1"/>
+              </p:ext>
+            </p:extLst>
+          </p:nvPr>
+        </p:nvSpPr>
+        <p:spPr>
+          <a:xfrm>
+            <a:off x="0" y="0"/>
+            <a:ext cx="457200" cy="6858000"/>
+          </a:xfrm>
+          <a:prstGeom prst="rect">
+            <a:avLst/>
+          </a:prstGeom>
+          <a:solidFill>
+            <a:schemeClr val="accent1"/>
+          </a:solidFill>
+          <a:ln>
+            <a:noFill/>
+          </a:ln>
+        </p:spPr>
+        <p:style>
+          <a:lnRef idx="2">
+            <a:schemeClr val="accent1">
+              <a:shade val="50000"/>
+            </a:schemeClr>
+          </a:lnRef>
+          <a:fillRef idx="1">
+            <a:schemeClr val="accent1"/>
+          </a:fillRef>
+          <a:effectRef idx="0">
+            <a:schemeClr val="accent1"/>
+          </a:effectRef>
+          <a:fontRef idx="minor">
+            <a:schemeClr val="lt1"/>
+          </a:fontRef>
+        </p:style>
+        <p:txBody>
+          <a:bodyPr/>
+          <a:lstStyle/>
+          <a:p>
+            <a:endParaRPr lang="en-US"/>
+          </a:p>
+        </p:txBody>
+      </p:sp>
+      <p:sp>
+        <p:nvSpPr>
+          <p:cNvPr id="27" name="Rectangle 26">
+            <a:extLst>
+              <a:ext uri="{FF2B5EF4-FFF2-40B4-BE49-F238E27FC236}">
+                <a16:creationId xmlns:a16="http://schemas.microsoft.com/office/drawing/2014/main" id="{B298ECBA-3258-45DF-8FD4-7581736BCCBC}"/>
+              </a:ext>
+              <a:ext uri="{C183D7F6-B498-43B3-948B-1728B52AA6E4}">
+                <adec:decorative xmlns:adec="http://schemas.microsoft.com/office/drawing/2017/decorative" val="1"/>
+              </a:ext>
+            </a:extLst>
+          </p:cNvPr>
+          <p:cNvSpPr>
+            <a:spLocks noGrp="1" noRot="1" noChangeAspect="1" noMove="1" noResize="1" noEditPoints="1" noAdjustHandles="1" noChangeArrowheads="1" noChangeShapeType="1" noTextEdit="1"/>
+          </p:cNvSpPr>
+          <p:nvPr>
+            <p:extLst>
+              <p:ext uri="{386F3935-93C4-4BCD-93E2-E3B085C9AB24}">
+                <p16:designElem xmlns:p16="http://schemas.microsoft.com/office/powerpoint/2015/main" val="1"/>
+              </p:ext>
+            </p:extLst>
+          </p:nvPr>
+        </p:nvSpPr>
+        <p:spPr>
+          <a:xfrm>
+            <a:off x="0" y="-3244"/>
+            <a:ext cx="457200" cy="6858000"/>
+          </a:xfrm>
+          <a:prstGeom prst="rect">
+            <a:avLst/>
+          </a:prstGeom>
+          <a:solidFill>
+            <a:srgbClr val="6F6F74"/>
+          </a:solidFill>
+          <a:ln>
+            <a:noFill/>
+          </a:ln>
+        </p:spPr>
+        <p:style>
+          <a:lnRef idx="2">
+            <a:schemeClr val="accent1">
+              <a:shade val="50000"/>
+            </a:schemeClr>
+          </a:lnRef>
+          <a:fillRef idx="1">
+            <a:schemeClr val="accent1"/>
+          </a:fillRef>
+          <a:effectRef idx="0">
+            <a:schemeClr val="accent1"/>
+          </a:effectRef>
+          <a:fontRef idx="minor">
+            <a:schemeClr val="lt1"/>
+          </a:fontRef>
+        </p:style>
+        <p:txBody>
+          <a:bodyPr rtlCol="0" anchor="ctr"/>
+          <a:lstStyle/>
+          <a:p>
+            <a:pPr algn="ctr"/>
+            <a:endParaRPr lang="en-US"/>
+          </a:p>
+        </p:txBody>
+      </p:sp>
+      <p:sp>
+        <p:nvSpPr>
+          <p:cNvPr id="29" name="Rectangle 28">
+            <a:extLst>
+              <a:ext uri="{FF2B5EF4-FFF2-40B4-BE49-F238E27FC236}">
+                <a16:creationId xmlns:a16="http://schemas.microsoft.com/office/drawing/2014/main" id="{B62BF453-BD82-4B90-9FE7-51703133806E}"/>
+              </a:ext>
+              <a:ext uri="{C183D7F6-B498-43B3-948B-1728B52AA6E4}">
+                <adec:decorative xmlns:adec="http://schemas.microsoft.com/office/drawing/2017/decorative" val="1"/>
+              </a:ext>
+            </a:extLst>
+          </p:cNvPr>
+          <p:cNvSpPr>
+            <a:spLocks noGrp="1" noRot="1" noChangeAspect="1" noMove="1" noResize="1" noEditPoints="1" noAdjustHandles="1" noChangeArrowheads="1" noChangeShapeType="1" noTextEdit="1"/>
+          </p:cNvSpPr>
+          <p:nvPr>
+            <p:extLst>
+              <p:ext uri="{386F3935-93C4-4BCD-93E2-E3B085C9AB24}">
+                <p16:designElem xmlns:p16="http://schemas.microsoft.com/office/powerpoint/2015/main" val="1"/>
+              </p:ext>
+            </p:extLst>
+          </p:nvPr>
+        </p:nvSpPr>
+        <p:spPr>
+          <a:xfrm>
+            <a:off x="457200" y="0"/>
+            <a:ext cx="10835640" cy="6858000"/>
+          </a:xfrm>
+          <a:prstGeom prst="rect">
+            <a:avLst/>
+          </a:prstGeom>
+          <a:solidFill>
+            <a:srgbClr val="353537"/>
+          </a:solidFill>
+          <a:ln>
+            <a:noFill/>
+          </a:ln>
+        </p:spPr>
+        <p:style>
+          <a:lnRef idx="2">
+            <a:schemeClr val="accent1">
+              <a:shade val="50000"/>
+            </a:schemeClr>
+          </a:lnRef>
+          <a:fillRef idx="1">
+            <a:schemeClr val="accent1"/>
+          </a:fillRef>
+          <a:effectRef idx="0">
+            <a:schemeClr val="accent1"/>
+          </a:effectRef>
+          <a:fontRef idx="minor">
+            <a:schemeClr val="lt1"/>
+          </a:fontRef>
+        </p:style>
+        <p:txBody>
+          <a:bodyPr/>
+          <a:lstStyle/>
+          <a:p>
+            <a:endParaRPr lang="en-US"/>
+          </a:p>
+        </p:txBody>
+      </p:sp>
+      <p:sp>
+        <p:nvSpPr>
+          <p:cNvPr id="2" name="Title 1">
+            <a:extLst>
+              <a:ext uri="{FF2B5EF4-FFF2-40B4-BE49-F238E27FC236}">
+                <a16:creationId xmlns:a16="http://schemas.microsoft.com/office/drawing/2014/main" id="{E721E9AC-1AFE-CB50-6969-A0AA19F65E27}"/>
+              </a:ext>
+            </a:extLst>
+          </p:cNvPr>
+          <p:cNvSpPr>
+            <a:spLocks noGrp="1"/>
+          </p:cNvSpPr>
+          <p:nvPr>
+            <p:ph type="title"/>
+          </p:nvPr>
+        </p:nvSpPr>
+        <p:spPr>
+          <a:xfrm>
+            <a:off x="8318090" y="758952"/>
+            <a:ext cx="2802194" cy="2402259"/>
+          </a:xfrm>
+        </p:spPr>
+        <p:txBody>
+          <a:bodyPr vert="horz" lIns="91440" tIns="45720" rIns="91440" bIns="45720" rtlCol="0" anchor="b">
+            <a:normAutofit/>
+          </a:bodyPr>
+          <a:lstStyle/>
+          <a:p>
+            <a:pPr>
+              <a:lnSpc>
+                <a:spcPct val="85000"/>
+              </a:lnSpc>
+            </a:pPr>
+            <a:r>
+              <a:rPr lang="en-US" sz="3700" dirty="0">
+                <a:solidFill>
+                  <a:srgbClr val="FFFFFF"/>
+                </a:solidFill>
+              </a:rPr>
+              <a:t>Etapa II : </a:t>
+            </a:r>
+            <a:r>
+              <a:rPr lang="en-US" sz="3700" dirty="0" err="1">
+                <a:solidFill>
+                  <a:srgbClr val="FFFFFF"/>
+                </a:solidFill>
+              </a:rPr>
+              <a:t>Masuratori</a:t>
+            </a:r>
+            <a:r>
+              <a:rPr lang="en-US" sz="3700" dirty="0">
+                <a:solidFill>
+                  <a:srgbClr val="FFFFFF"/>
+                </a:solidFill>
+              </a:rPr>
+              <a:t> </a:t>
+            </a:r>
+            <a:r>
+              <a:rPr lang="en-US" sz="3700" dirty="0" err="1">
+                <a:solidFill>
+                  <a:srgbClr val="FFFFFF"/>
+                </a:solidFill>
+              </a:rPr>
+              <a:t>si</a:t>
+            </a:r>
+            <a:r>
+              <a:rPr lang="en-US" sz="3700" dirty="0">
+                <a:solidFill>
+                  <a:srgbClr val="FFFFFF"/>
+                </a:solidFill>
+              </a:rPr>
+              <a:t> </a:t>
+            </a:r>
+            <a:r>
+              <a:rPr lang="en-US" sz="3700" dirty="0" err="1">
+                <a:solidFill>
+                  <a:srgbClr val="FFFFFF"/>
+                </a:solidFill>
+              </a:rPr>
+              <a:t>rezultate</a:t>
+            </a:r>
+            <a:endParaRPr lang="en-US" sz="3700" dirty="0">
+              <a:solidFill>
+                <a:srgbClr val="FFFFFF"/>
+              </a:solidFill>
+            </a:endParaRPr>
+          </a:p>
+        </p:txBody>
+      </p:sp>
+      <p:sp>
+        <p:nvSpPr>
+          <p:cNvPr id="7" name="TextBox 6">
+            <a:extLst>
+              <a:ext uri="{FF2B5EF4-FFF2-40B4-BE49-F238E27FC236}">
+                <a16:creationId xmlns:a16="http://schemas.microsoft.com/office/drawing/2014/main" id="{4C3D8A69-3189-CD70-1244-B38E37E5C1FF}"/>
+              </a:ext>
+            </a:extLst>
+          </p:cNvPr>
+          <p:cNvSpPr txBox="1"/>
+          <p:nvPr/>
+        </p:nvSpPr>
+        <p:spPr>
+          <a:xfrm>
+            <a:off x="8404367" y="4407408"/>
+            <a:ext cx="2802195" cy="1691640"/>
+          </a:xfrm>
+          <a:prstGeom prst="rect">
+            <a:avLst/>
+          </a:prstGeom>
+        </p:spPr>
+        <p:txBody>
+          <a:bodyPr vert="horz" lIns="91440" tIns="45720" rIns="91440" bIns="45720" rtlCol="0">
+            <a:normAutofit/>
+          </a:bodyPr>
+          <a:lstStyle/>
+          <a:p>
+            <a:pPr defTabSz="914400">
+              <a:lnSpc>
+                <a:spcPct val="95000"/>
+              </a:lnSpc>
+              <a:spcBef>
+                <a:spcPts val="1400"/>
+              </a:spcBef>
+              <a:spcAft>
+                <a:spcPts val="200"/>
+              </a:spcAft>
+              <a:buClr>
+                <a:schemeClr val="accent1"/>
+              </a:buClr>
+              <a:buSzPct val="80000"/>
+            </a:pPr>
+            <a:r>
+              <a:rPr lang="en-US" sz="4800" spc="10" dirty="0">
+                <a:solidFill>
+                  <a:srgbClr val="D9D9D9"/>
+                </a:solidFill>
+              </a:rPr>
+              <a:t>F1 score</a:t>
+            </a:r>
+          </a:p>
+        </p:txBody>
+      </p:sp>
+      <p:sp useBgFill="1">
+        <p:nvSpPr>
+          <p:cNvPr id="31" name="Rectangle 30">
+            <a:extLst>
+              <a:ext uri="{FF2B5EF4-FFF2-40B4-BE49-F238E27FC236}">
+                <a16:creationId xmlns:a16="http://schemas.microsoft.com/office/drawing/2014/main" id="{072366D3-9B5C-42E1-9906-77FF6BB55EAB}"/>
+              </a:ext>
+              <a:ext uri="{C183D7F6-B498-43B3-948B-1728B52AA6E4}">
+                <adec:decorative xmlns:adec="http://schemas.microsoft.com/office/drawing/2017/decorative" val="1"/>
+              </a:ext>
+            </a:extLst>
+          </p:cNvPr>
+          <p:cNvSpPr>
+            <a:spLocks noGrp="1" noRot="1" noChangeAspect="1" noMove="1" noResize="1" noEditPoints="1" noAdjustHandles="1" noChangeArrowheads="1" noChangeShapeType="1" noTextEdit="1"/>
+          </p:cNvSpPr>
+          <p:nvPr>
+            <p:extLst>
+              <p:ext uri="{386F3935-93C4-4BCD-93E2-E3B085C9AB24}">
+                <p16:designElem xmlns:p16="http://schemas.microsoft.com/office/powerpoint/2015/main" val="1"/>
+              </p:ext>
+            </p:extLst>
+          </p:nvPr>
+        </p:nvSpPr>
+        <p:spPr>
+          <a:xfrm>
+            <a:off x="452283" y="0"/>
+            <a:ext cx="7561007" cy="6858000"/>
+          </a:xfrm>
+          <a:prstGeom prst="rect">
+            <a:avLst/>
+          </a:prstGeom>
+          <a:ln>
+            <a:noFill/>
+          </a:ln>
+        </p:spPr>
+        <p:style>
+          <a:lnRef idx="2">
+            <a:schemeClr val="accent1">
+              <a:shade val="50000"/>
+            </a:schemeClr>
+          </a:lnRef>
+          <a:fillRef idx="1">
+            <a:schemeClr val="accent1"/>
+          </a:fillRef>
+          <a:effectRef idx="0">
+            <a:schemeClr val="accent1"/>
+          </a:effectRef>
+          <a:fontRef idx="minor">
+            <a:schemeClr val="lt1"/>
+          </a:fontRef>
+        </p:style>
+        <p:txBody>
+          <a:bodyPr rtlCol="0" anchor="ctr"/>
+          <a:lstStyle/>
+          <a:p>
+            <a:pPr algn="ctr"/>
+            <a:endParaRPr lang="en-US"/>
+          </a:p>
+        </p:txBody>
+      </p:sp>
+      <p:pic>
+        <p:nvPicPr>
+          <p:cNvPr id="8" name="Content Placeholder 7" descr="A blue line graph with white text&#10;&#10;Description automatically generated">
+            <a:extLst>
+              <a:ext uri="{FF2B5EF4-FFF2-40B4-BE49-F238E27FC236}">
+                <a16:creationId xmlns:a16="http://schemas.microsoft.com/office/drawing/2014/main" id="{9BE79B39-01D1-7E61-372E-432BB19FDC32}"/>
+              </a:ext>
+            </a:extLst>
+          </p:cNvPr>
+          <p:cNvPicPr>
+            <a:picLocks noGrp="1" noChangeAspect="1"/>
+          </p:cNvPicPr>
+          <p:nvPr>
+            <p:ph idx="1"/>
+          </p:nvPr>
+        </p:nvPicPr>
+        <p:blipFill>
+          <a:blip r:embed="rId2">
+            <a:extLst>
+              <a:ext uri="{28A0092B-C50C-407E-A947-70E740481C1C}">
+                <a14:useLocalDpi xmlns:a14="http://schemas.microsoft.com/office/drawing/2010/main" val="0"/>
+              </a:ext>
+            </a:extLst>
+          </a:blip>
+          <a:stretch>
+            <a:fillRect/>
+          </a:stretch>
+        </p:blipFill>
+        <p:spPr>
+          <a:xfrm>
+            <a:off x="924375" y="1217390"/>
+            <a:ext cx="6616823" cy="4416731"/>
+          </a:xfrm>
+          <a:prstGeom prst="rect">
+            <a:avLst/>
+          </a:prstGeom>
+        </p:spPr>
+      </p:pic>
+      <p:sp>
+        <p:nvSpPr>
+          <p:cNvPr id="33" name="Rectangle 32">
+            <a:extLst>
+              <a:ext uri="{FF2B5EF4-FFF2-40B4-BE49-F238E27FC236}">
+                <a16:creationId xmlns:a16="http://schemas.microsoft.com/office/drawing/2014/main" id="{121F5E60-4E89-4B16-A245-12BD9935998D}"/>
+              </a:ext>
+              <a:ext uri="{C183D7F6-B498-43B3-948B-1728B52AA6E4}">
+                <adec:decorative xmlns:adec="http://schemas.microsoft.com/office/drawing/2017/decorative" val="1"/>
+              </a:ext>
+            </a:extLst>
+          </p:cNvPr>
+          <p:cNvSpPr>
+            <a:spLocks noGrp="1" noRot="1" noChangeAspect="1" noMove="1" noResize="1" noEditPoints="1" noAdjustHandles="1" noChangeArrowheads="1" noChangeShapeType="1" noTextEdit="1"/>
+          </p:cNvSpPr>
+          <p:nvPr>
+            <p:extLst>
+              <p:ext uri="{386F3935-93C4-4BCD-93E2-E3B085C9AB24}">
+                <p16:designElem xmlns:p16="http://schemas.microsoft.com/office/powerpoint/2015/main" val="1"/>
+              </p:ext>
+            </p:extLst>
+          </p:nvPr>
+        </p:nvSpPr>
+        <p:spPr>
+          <a:xfrm>
+            <a:off x="11292840" y="0"/>
+            <a:ext cx="899160" cy="6858000"/>
+          </a:xfrm>
+          <a:prstGeom prst="rect">
+            <a:avLst/>
+          </a:prstGeom>
+          <a:solidFill>
+            <a:srgbClr val="353537"/>
+          </a:solidFill>
+          <a:ln>
+            <a:noFill/>
+          </a:ln>
+        </p:spPr>
+        <p:style>
+          <a:lnRef idx="2">
+            <a:schemeClr val="accent1">
+              <a:shade val="50000"/>
+            </a:schemeClr>
+          </a:lnRef>
+          <a:fillRef idx="1">
+            <a:schemeClr val="accent1"/>
+          </a:fillRef>
+          <a:effectRef idx="0">
+            <a:schemeClr val="accent1"/>
+          </a:effectRef>
+          <a:fontRef idx="minor">
+            <a:schemeClr val="lt1"/>
+          </a:fontRef>
+        </p:style>
+        <p:txBody>
+          <a:bodyPr rtlCol="0" anchor="ctr"/>
+          <a:lstStyle/>
+          <a:p>
+            <a:pPr algn="ctr"/>
+            <a:endParaRPr lang="en-US"/>
+          </a:p>
+        </p:txBody>
+      </p:sp>
+      <p:sp>
+        <p:nvSpPr>
+          <p:cNvPr id="4" name="Date Placeholder 3">
+            <a:extLst>
+              <a:ext uri="{FF2B5EF4-FFF2-40B4-BE49-F238E27FC236}">
+                <a16:creationId xmlns:a16="http://schemas.microsoft.com/office/drawing/2014/main" id="{FA29510F-41EC-B9F8-D08D-47580FBEE028}"/>
+              </a:ext>
+            </a:extLst>
+          </p:cNvPr>
+          <p:cNvSpPr>
+            <a:spLocks noGrp="1"/>
+          </p:cNvSpPr>
+          <p:nvPr>
+            <p:ph type="dt" sz="half" idx="10"/>
+          </p:nvPr>
+        </p:nvSpPr>
+        <p:spPr>
+          <a:xfrm rot="16200000">
+            <a:off x="10797542" y="998537"/>
+            <a:ext cx="1904999" cy="365125"/>
+          </a:xfrm>
+        </p:spPr>
+        <p:txBody>
+          <a:bodyPr vert="horz" lIns="91440" tIns="45720" rIns="91440" bIns="45720" rtlCol="0" anchor="ctr">
+            <a:normAutofit/>
+          </a:bodyPr>
+          <a:lstStyle/>
+          <a:p>
+            <a:pPr>
+              <a:spcAft>
+                <a:spcPts val="600"/>
+              </a:spcAft>
+            </a:pPr>
+            <a:fld id="{5BDCABB6-D211-4A3C-A8D0-30CDF488E3C0}" type="datetime1">
+              <a:rPr lang="en-US">
+                <a:solidFill>
+                  <a:srgbClr val="7F7F7F"/>
+                </a:solidFill>
+              </a:rPr>
+              <a:pPr>
+                <a:spcAft>
+                  <a:spcPts val="600"/>
+                </a:spcAft>
+              </a:pPr>
+              <a:t>11/21/2024</a:t>
+            </a:fld>
+            <a:endParaRPr lang="en-US">
+              <a:solidFill>
+                <a:srgbClr val="7F7F7F"/>
+              </a:solidFill>
+            </a:endParaRPr>
+          </a:p>
+        </p:txBody>
+      </p:sp>
+    </p:spTree>
+    <p:extLst>
+      <p:ext uri="{BB962C8B-B14F-4D97-AF65-F5344CB8AC3E}">
+        <p14:creationId xmlns:p14="http://schemas.microsoft.com/office/powerpoint/2010/main" val="3010767275"/>
+      </p:ext>
+    </p:extLst>
+  </p:cSld>
+  <p:clrMapOvr>
+    <a:masterClrMapping/>
+  </p:clrMapOvr>
+  <mc:AlternateContent xmlns:mc="http://schemas.openxmlformats.org/markup-compatibility/2006">
+    <mc:Choice xmlns:p15="http://schemas.microsoft.com/office/powerpoint/2012/main" Requires="p15">
+      <p:transition xmlns:p14="http://schemas.microsoft.com/office/powerpoint/2010/main" spd="slow" p14:dur="2000">
+        <p15:prstTrans prst="fallOver"/>
+      </p:transition>
+    </mc:Choice>
+    <mc:Fallback>
+      <p:transition spd="slow">
+        <p:fade/>
+      </p:transition>
+    </mc:Fallback>
+  </mc:AlternateContent>
+</p:sld>
+</file>
+
+<file path=ppt/slides/slide14.xml><?xml version="1.0" encoding="utf-8"?>
+<p:sld xmlns:a="http://schemas.openxmlformats.org/drawingml/2006/main" xmlns:r="http://schemas.openxmlformats.org/officeDocument/2006/relationships" xmlns:p="http://schemas.openxmlformats.org/presentationml/2006/main">
+  <p:cSld>
+    <p:bg>
+      <p:bgPr>
+        <a:solidFill>
+          <a:schemeClr val="bg1"/>
+        </a:solidFill>
+        <a:effectLst/>
+      </p:bgPr>
+    </p:bg>
+    <p:spTree>
+      <p:nvGrpSpPr>
+        <p:cNvPr id="1" name=""/>
+        <p:cNvGrpSpPr/>
+        <p:nvPr/>
+      </p:nvGrpSpPr>
+      <p:grpSpPr>
+        <a:xfrm>
+          <a:off x="0" y="0"/>
+          <a:ext cx="0" cy="0"/>
+          <a:chOff x="0" y="0"/>
+          <a:chExt cx="0" cy="0"/>
+        </a:xfrm>
+      </p:grpSpPr>
+      <p:sp>
+        <p:nvSpPr>
+          <p:cNvPr id="9" name="Rectangle 8">
+            <a:extLst>
+              <a:ext uri="{FF2B5EF4-FFF2-40B4-BE49-F238E27FC236}">
+                <a16:creationId xmlns:a16="http://schemas.microsoft.com/office/drawing/2014/main" id="{33801627-6861-4EA9-BE98-E0CE33A894D9}"/>
+              </a:ext>
+              <a:ext uri="{C183D7F6-B498-43B3-948B-1728B52AA6E4}">
+                <adec:decorative xmlns:adec="http://schemas.microsoft.com/office/drawing/2017/decorative" val="1"/>
+              </a:ext>
+            </a:extLst>
+          </p:cNvPr>
+          <p:cNvSpPr>
+            <a:spLocks noGrp="1" noRot="1" noChangeAspect="1" noMove="1" noResize="1" noEditPoints="1" noAdjustHandles="1" noChangeArrowheads="1" noChangeShapeType="1" noTextEdit="1"/>
+          </p:cNvSpPr>
+          <p:nvPr>
+            <p:extLst>
+              <p:ext uri="{386F3935-93C4-4BCD-93E2-E3B085C9AB24}">
+                <p16:designElem xmlns:p16="http://schemas.microsoft.com/office/powerpoint/2015/main" val="1"/>
+              </p:ext>
+            </p:extLst>
+          </p:nvPr>
+        </p:nvSpPr>
+        <p:spPr>
+          <a:xfrm>
+            <a:off x="1" y="0"/>
+            <a:ext cx="643466" cy="6858000"/>
+          </a:xfrm>
+          <a:prstGeom prst="rect">
+            <a:avLst/>
+          </a:prstGeom>
+          <a:solidFill>
+            <a:srgbClr val="0D0D0D"/>
+          </a:solidFill>
+          <a:ln>
+            <a:noFill/>
+          </a:ln>
+        </p:spPr>
+        <p:style>
+          <a:lnRef idx="2">
+            <a:schemeClr val="accent1">
+              <a:shade val="50000"/>
+            </a:schemeClr>
+          </a:lnRef>
+          <a:fillRef idx="1">
+            <a:schemeClr val="accent1"/>
+          </a:fillRef>
+          <a:effectRef idx="0">
+            <a:schemeClr val="accent1"/>
+          </a:effectRef>
+          <a:fontRef idx="minor">
+            <a:schemeClr val="lt1"/>
+          </a:fontRef>
+        </p:style>
+        <p:txBody>
+          <a:bodyPr rtlCol="0" anchor="ctr"/>
+          <a:lstStyle/>
+          <a:p>
+            <a:pPr algn="ctr"/>
+            <a:endParaRPr lang="en-US"/>
+          </a:p>
+        </p:txBody>
+      </p:sp>
+      <p:sp>
+        <p:nvSpPr>
+          <p:cNvPr id="11" name="Rectangle 10">
+            <a:extLst>
+              <a:ext uri="{FF2B5EF4-FFF2-40B4-BE49-F238E27FC236}">
+                <a16:creationId xmlns:a16="http://schemas.microsoft.com/office/drawing/2014/main" id="{93C1483F-490E-4C8A-8765-1F8AF0C67D5F}"/>
+              </a:ext>
+              <a:ext uri="{C183D7F6-B498-43B3-948B-1728B52AA6E4}">
+                <adec:decorative xmlns:adec="http://schemas.microsoft.com/office/drawing/2017/decorative" val="1"/>
+              </a:ext>
+            </a:extLst>
+          </p:cNvPr>
+          <p:cNvSpPr>
+            <a:spLocks noGrp="1" noRot="1" noChangeAspect="1" noMove="1" noResize="1" noEditPoints="1" noAdjustHandles="1" noChangeArrowheads="1" noChangeShapeType="1" noTextEdit="1"/>
+          </p:cNvSpPr>
+          <p:nvPr>
+            <p:extLst>
+              <p:ext uri="{386F3935-93C4-4BCD-93E2-E3B085C9AB24}">
+                <p16:designElem xmlns:p16="http://schemas.microsoft.com/office/powerpoint/2015/main" val="1"/>
+              </p:ext>
+            </p:extLst>
+          </p:nvPr>
+        </p:nvSpPr>
+        <p:spPr>
+          <a:xfrm>
+            <a:off x="643466" y="0"/>
+            <a:ext cx="3736189" cy="6858000"/>
+          </a:xfrm>
+          <a:prstGeom prst="rect">
+            <a:avLst/>
+          </a:prstGeom>
+          <a:solidFill>
+            <a:srgbClr val="292929"/>
+          </a:solidFill>
+          <a:ln>
+            <a:noFill/>
+          </a:ln>
+        </p:spPr>
+        <p:style>
+          <a:lnRef idx="2">
+            <a:schemeClr val="accent1">
+              <a:shade val="50000"/>
+            </a:schemeClr>
+          </a:lnRef>
+          <a:fillRef idx="1">
+            <a:schemeClr val="accent1"/>
+          </a:fillRef>
+          <a:effectRef idx="0">
+            <a:schemeClr val="accent1"/>
+          </a:effectRef>
+          <a:fontRef idx="minor">
+            <a:schemeClr val="lt1"/>
+          </a:fontRef>
+        </p:style>
+        <p:txBody>
+          <a:bodyPr rtlCol="0" anchor="ctr"/>
+          <a:lstStyle/>
+          <a:p>
+            <a:pPr algn="ctr"/>
+            <a:endParaRPr lang="en-US"/>
+          </a:p>
+        </p:txBody>
+      </p:sp>
+      <p:sp>
+        <p:nvSpPr>
+          <p:cNvPr id="2" name="Title 1">
+            <a:extLst>
+              <a:ext uri="{FF2B5EF4-FFF2-40B4-BE49-F238E27FC236}">
+                <a16:creationId xmlns:a16="http://schemas.microsoft.com/office/drawing/2014/main" id="{38DE307C-D392-1B19-2D3D-9787680814E3}"/>
+              </a:ext>
+            </a:extLst>
+          </p:cNvPr>
+          <p:cNvSpPr>
+            <a:spLocks noGrp="1"/>
+          </p:cNvSpPr>
+          <p:nvPr>
+            <p:ph type="title"/>
+          </p:nvPr>
+        </p:nvSpPr>
+        <p:spPr>
+          <a:xfrm>
+            <a:off x="965198" y="643466"/>
+            <a:ext cx="3092718" cy="5528734"/>
+          </a:xfrm>
+          <a:noFill/>
+        </p:spPr>
+        <p:txBody>
+          <a:bodyPr anchor="t">
+            <a:normAutofit/>
+          </a:bodyPr>
+          <a:lstStyle/>
+          <a:p>
+            <a:r>
+              <a:rPr lang="en-US" sz="2800" dirty="0">
+                <a:solidFill>
+                  <a:srgbClr val="FFFFFF"/>
+                </a:solidFill>
+              </a:rPr>
+              <a:t>Etapa II: </a:t>
+            </a:r>
+            <a:r>
+              <a:rPr lang="en-US" sz="2800" dirty="0" err="1">
+                <a:solidFill>
+                  <a:srgbClr val="FFFFFF"/>
+                </a:solidFill>
+              </a:rPr>
+              <a:t>Preprocesarea</a:t>
+            </a:r>
+            <a:r>
+              <a:rPr lang="en-US" sz="2800" dirty="0">
+                <a:solidFill>
+                  <a:srgbClr val="FFFFFF"/>
+                </a:solidFill>
+              </a:rPr>
+              <a:t> </a:t>
+            </a:r>
+            <a:r>
+              <a:rPr lang="en-US" sz="2800" dirty="0" err="1">
+                <a:solidFill>
+                  <a:srgbClr val="FFFFFF"/>
+                </a:solidFill>
+              </a:rPr>
+              <a:t>imaginii</a:t>
+            </a:r>
+            <a:endParaRPr lang="en-US" sz="2800" dirty="0">
+              <a:solidFill>
+                <a:srgbClr val="FFFFFF"/>
+              </a:solidFill>
+            </a:endParaRPr>
+          </a:p>
+        </p:txBody>
+      </p:sp>
+      <p:sp useBgFill="1">
+        <p:nvSpPr>
+          <p:cNvPr id="13" name="Rectangle 12">
+            <a:extLst>
+              <a:ext uri="{FF2B5EF4-FFF2-40B4-BE49-F238E27FC236}">
+                <a16:creationId xmlns:a16="http://schemas.microsoft.com/office/drawing/2014/main" id="{0249BF42-D05C-4553-9417-7B8695759291}"/>
+              </a:ext>
+              <a:ext uri="{C183D7F6-B498-43B3-948B-1728B52AA6E4}">
+                <adec:decorative xmlns:adec="http://schemas.microsoft.com/office/drawing/2017/decorative" val="1"/>
+              </a:ext>
+            </a:extLst>
+          </p:cNvPr>
+          <p:cNvSpPr>
+            <a:spLocks noGrp="1" noRot="1" noChangeAspect="1" noMove="1" noResize="1" noEditPoints="1" noAdjustHandles="1" noChangeArrowheads="1" noChangeShapeType="1" noTextEdit="1"/>
+          </p:cNvSpPr>
+          <p:nvPr>
+            <p:extLst>
+              <p:ext uri="{386F3935-93C4-4BCD-93E2-E3B085C9AB24}">
+                <p16:designElem xmlns:p16="http://schemas.microsoft.com/office/powerpoint/2015/main" val="1"/>
+              </p:ext>
+            </p:extLst>
+          </p:nvPr>
+        </p:nvSpPr>
+        <p:spPr>
+          <a:xfrm>
+            <a:off x="4379654" y="0"/>
+            <a:ext cx="6913185" cy="6858000"/>
+          </a:xfrm>
+          <a:prstGeom prst="rect">
+            <a:avLst/>
+          </a:prstGeom>
+          <a:ln>
+            <a:noFill/>
+          </a:ln>
+        </p:spPr>
+        <p:style>
+          <a:lnRef idx="2">
+            <a:schemeClr val="accent1">
+              <a:shade val="50000"/>
+            </a:schemeClr>
+          </a:lnRef>
+          <a:fillRef idx="1">
+            <a:schemeClr val="accent1"/>
+          </a:fillRef>
+          <a:effectRef idx="0">
+            <a:schemeClr val="accent1"/>
+          </a:effectRef>
+          <a:fontRef idx="minor">
+            <a:schemeClr val="lt1"/>
+          </a:fontRef>
+        </p:style>
+        <p:txBody>
+          <a:bodyPr rtlCol="0" anchor="ctr"/>
+          <a:lstStyle/>
+          <a:p>
+            <a:pPr algn="ctr"/>
+            <a:endParaRPr lang="en-US"/>
+          </a:p>
+        </p:txBody>
+      </p:sp>
+      <p:sp>
+        <p:nvSpPr>
+          <p:cNvPr id="3" name="Content Placeholder 2">
+            <a:extLst>
+              <a:ext uri="{FF2B5EF4-FFF2-40B4-BE49-F238E27FC236}">
+                <a16:creationId xmlns:a16="http://schemas.microsoft.com/office/drawing/2014/main" id="{6A3A7B73-1A1A-EC89-87C0-3E85E7A4224A}"/>
+              </a:ext>
+            </a:extLst>
+          </p:cNvPr>
+          <p:cNvSpPr>
+            <a:spLocks noGrp="1"/>
+          </p:cNvSpPr>
+          <p:nvPr>
+            <p:ph idx="1"/>
+          </p:nvPr>
+        </p:nvSpPr>
+        <p:spPr>
+          <a:xfrm>
+            <a:off x="4821898" y="643466"/>
+            <a:ext cx="5827472" cy="5571067"/>
+          </a:xfrm>
+        </p:spPr>
+        <p:txBody>
+          <a:bodyPr>
+            <a:normAutofit/>
+          </a:bodyPr>
+          <a:lstStyle/>
+          <a:p>
+            <a:pPr marL="0" indent="0">
+              <a:buNone/>
+            </a:pPr>
+            <a:r>
+              <a:rPr lang="en-US" sz="2400" dirty="0"/>
+              <a:t>     In </a:t>
+            </a:r>
+            <a:r>
+              <a:rPr lang="en-US" sz="2400" dirty="0" err="1"/>
+              <a:t>aceasta</a:t>
+            </a:r>
+            <a:r>
+              <a:rPr lang="en-US" sz="2400" dirty="0"/>
+              <a:t> </a:t>
+            </a:r>
+            <a:r>
+              <a:rPr lang="en-US" sz="2400" dirty="0" err="1"/>
+              <a:t>etapa</a:t>
+            </a:r>
+            <a:r>
+              <a:rPr lang="en-US" sz="2400" dirty="0"/>
+              <a:t>, am </a:t>
+            </a:r>
+            <a:r>
+              <a:rPr lang="en-US" sz="2400" dirty="0" err="1"/>
+              <a:t>incercat</a:t>
+            </a:r>
+            <a:r>
+              <a:rPr lang="en-US" sz="2400" dirty="0"/>
+              <a:t> </a:t>
+            </a:r>
+            <a:r>
+              <a:rPr lang="en-US" sz="2400" dirty="0" err="1"/>
+              <a:t>sa</a:t>
+            </a:r>
+            <a:r>
+              <a:rPr lang="en-US" sz="2400" dirty="0"/>
+              <a:t> </a:t>
+            </a:r>
+            <a:r>
+              <a:rPr lang="en-US" sz="2400" dirty="0" err="1"/>
+              <a:t>imbunatatim</a:t>
+            </a:r>
+            <a:r>
+              <a:rPr lang="en-US" sz="2400" dirty="0"/>
+              <a:t> </a:t>
+            </a:r>
+            <a:r>
+              <a:rPr lang="en-US" sz="2400" dirty="0" err="1"/>
+              <a:t>rezultatele</a:t>
+            </a:r>
+            <a:r>
+              <a:rPr lang="en-US" sz="2400" dirty="0"/>
+              <a:t>.</a:t>
+            </a:r>
+          </a:p>
+          <a:p>
+            <a:pPr marL="0" indent="0">
+              <a:buNone/>
+            </a:pPr>
+            <a:r>
+              <a:rPr lang="en-US" sz="2400" dirty="0"/>
+              <a:t>     </a:t>
+            </a:r>
+            <a:r>
+              <a:rPr lang="en-US" sz="2400" dirty="0" err="1"/>
+              <a:t>Asadar</a:t>
+            </a:r>
+            <a:r>
+              <a:rPr lang="en-US" sz="2400" dirty="0"/>
+              <a:t>, am </a:t>
+            </a:r>
+            <a:r>
+              <a:rPr lang="en-US" sz="2400" dirty="0" err="1"/>
+              <a:t>preluat</a:t>
+            </a:r>
+            <a:r>
+              <a:rPr lang="en-US" sz="2400" dirty="0"/>
+              <a:t> </a:t>
+            </a:r>
+            <a:r>
+              <a:rPr lang="en-US" sz="2400" dirty="0" err="1"/>
+              <a:t>setul</a:t>
+            </a:r>
+            <a:r>
+              <a:rPr lang="en-US" sz="2400" dirty="0"/>
+              <a:t> de date </a:t>
+            </a:r>
+            <a:r>
+              <a:rPr lang="en-US" sz="2400" dirty="0" err="1"/>
+              <a:t>si</a:t>
+            </a:r>
+            <a:r>
+              <a:rPr lang="en-US" sz="2400" dirty="0"/>
+              <a:t> am </a:t>
+            </a:r>
+            <a:r>
+              <a:rPr lang="en-US" sz="2400" dirty="0" err="1"/>
+              <a:t>inceput</a:t>
+            </a:r>
+            <a:r>
+              <a:rPr lang="en-US" sz="2400" dirty="0"/>
+              <a:t> </a:t>
+            </a:r>
+            <a:r>
+              <a:rPr lang="en-US" sz="2400" dirty="0" err="1"/>
+              <a:t>sa</a:t>
+            </a:r>
+            <a:r>
+              <a:rPr lang="en-US" sz="2400" dirty="0"/>
+              <a:t> </a:t>
+            </a:r>
+            <a:r>
+              <a:rPr lang="en-US" sz="2400" dirty="0" err="1"/>
+              <a:t>modificam</a:t>
+            </a:r>
+            <a:r>
+              <a:rPr lang="en-US" sz="2400" dirty="0"/>
+              <a:t> </a:t>
+            </a:r>
+            <a:r>
+              <a:rPr lang="en-US" sz="2400" dirty="0" err="1"/>
+              <a:t>imaginile</a:t>
+            </a:r>
+            <a:r>
+              <a:rPr lang="en-US" sz="2400" dirty="0"/>
+              <a:t> </a:t>
+            </a:r>
+            <a:r>
+              <a:rPr lang="en-US" sz="2400" dirty="0" err="1"/>
+              <a:t>astfel</a:t>
+            </a:r>
+            <a:r>
+              <a:rPr lang="en-US" sz="2400" dirty="0"/>
+              <a:t> </a:t>
+            </a:r>
+            <a:r>
+              <a:rPr lang="en-US" sz="2400" dirty="0" err="1"/>
+              <a:t>incat</a:t>
+            </a:r>
+            <a:r>
+              <a:rPr lang="en-US" sz="2400" dirty="0"/>
+              <a:t> </a:t>
+            </a:r>
+            <a:r>
+              <a:rPr lang="en-US" sz="2400" dirty="0" err="1"/>
+              <a:t>sa</a:t>
+            </a:r>
+            <a:r>
+              <a:rPr lang="en-US" sz="2400" dirty="0"/>
+              <a:t> </a:t>
+            </a:r>
+            <a:r>
+              <a:rPr lang="en-US" sz="2400" dirty="0" err="1"/>
+              <a:t>evidentiem</a:t>
+            </a:r>
+            <a:r>
+              <a:rPr lang="en-US" sz="2400" dirty="0"/>
+              <a:t> </a:t>
+            </a:r>
+            <a:r>
+              <a:rPr lang="en-US" sz="2400" dirty="0" err="1"/>
+              <a:t>trasaturile</a:t>
+            </a:r>
+            <a:r>
+              <a:rPr lang="en-US" sz="2400" dirty="0"/>
+              <a:t> </a:t>
+            </a:r>
+            <a:r>
+              <a:rPr lang="en-US" sz="2400" dirty="0" err="1"/>
+              <a:t>marcajelor</a:t>
+            </a:r>
+            <a:r>
+              <a:rPr lang="en-US" sz="2400" dirty="0"/>
+              <a:t>:</a:t>
+            </a:r>
+          </a:p>
+          <a:p>
+            <a:r>
+              <a:rPr lang="en-US" sz="2400" dirty="0" err="1"/>
+              <a:t>Liniile</a:t>
+            </a:r>
+            <a:r>
+              <a:rPr lang="en-US" sz="2400" dirty="0"/>
+              <a:t> de </a:t>
+            </a:r>
+            <a:r>
+              <a:rPr lang="en-US" sz="2400" dirty="0" err="1"/>
+              <a:t>marcaj</a:t>
+            </a:r>
+            <a:r>
+              <a:rPr lang="en-US" sz="2400" dirty="0"/>
+              <a:t>,</a:t>
+            </a:r>
+          </a:p>
+          <a:p>
+            <a:r>
+              <a:rPr lang="en-US" sz="2400" dirty="0" err="1"/>
+              <a:t>Culorile</a:t>
+            </a:r>
+            <a:r>
+              <a:rPr lang="en-US" sz="2400" dirty="0"/>
+              <a:t> </a:t>
+            </a:r>
+            <a:r>
+              <a:rPr lang="en-US" sz="2400" dirty="0" err="1"/>
+              <a:t>deschise</a:t>
+            </a:r>
+            <a:r>
+              <a:rPr lang="en-US" sz="2400" dirty="0"/>
+              <a:t> care </a:t>
+            </a:r>
+            <a:r>
+              <a:rPr lang="en-US" sz="2400" dirty="0" err="1"/>
+              <a:t>ies</a:t>
+            </a:r>
+            <a:r>
+              <a:rPr lang="en-US" sz="2400" dirty="0"/>
+              <a:t> in </a:t>
+            </a:r>
+            <a:r>
+              <a:rPr lang="en-US" sz="2400" dirty="0" err="1"/>
+              <a:t>evidenta</a:t>
+            </a:r>
+            <a:r>
+              <a:rPr lang="en-US" sz="2400" dirty="0"/>
+              <a:t>,</a:t>
+            </a:r>
+          </a:p>
+          <a:p>
+            <a:r>
+              <a:rPr lang="en-US" sz="2400" dirty="0" err="1"/>
+              <a:t>Dimensiunile</a:t>
+            </a:r>
+            <a:r>
+              <a:rPr lang="en-US" sz="2400" dirty="0"/>
+              <a:t> lor.</a:t>
+            </a:r>
+          </a:p>
+          <a:p>
+            <a:pPr marL="0" indent="0">
+              <a:buNone/>
+            </a:pPr>
+            <a:r>
+              <a:rPr lang="en-US" sz="2400" dirty="0"/>
+              <a:t>     </a:t>
+            </a:r>
+            <a:r>
+              <a:rPr lang="en-US" sz="2400" dirty="0" err="1"/>
+              <a:t>Pentru</a:t>
+            </a:r>
+            <a:r>
+              <a:rPr lang="en-US" sz="2400" dirty="0"/>
+              <a:t> a </a:t>
+            </a:r>
+            <a:r>
+              <a:rPr lang="en-US" sz="2400" dirty="0" err="1"/>
+              <a:t>putea</a:t>
+            </a:r>
+            <a:r>
+              <a:rPr lang="en-US" sz="2400" dirty="0"/>
+              <a:t> face </a:t>
+            </a:r>
+            <a:r>
+              <a:rPr lang="en-US" sz="2400" dirty="0" err="1"/>
+              <a:t>treaba</a:t>
+            </a:r>
+            <a:r>
+              <a:rPr lang="en-US" sz="2400" dirty="0"/>
+              <a:t> </a:t>
+            </a:r>
+            <a:r>
+              <a:rPr lang="en-US" sz="2400" dirty="0" err="1"/>
+              <a:t>asta</a:t>
+            </a:r>
+            <a:r>
+              <a:rPr lang="en-US" sz="2400" dirty="0"/>
+              <a:t>, ne-am </a:t>
+            </a:r>
+            <a:r>
+              <a:rPr lang="en-US" sz="2400" dirty="0" err="1"/>
+              <a:t>folosit</a:t>
+            </a:r>
+            <a:r>
+              <a:rPr lang="en-US" sz="2400" dirty="0"/>
+              <a:t> de </a:t>
+            </a:r>
+            <a:r>
+              <a:rPr lang="en-US" sz="2400" dirty="0" err="1"/>
+              <a:t>libraria</a:t>
+            </a:r>
+            <a:r>
+              <a:rPr lang="en-US" sz="2400" dirty="0"/>
+              <a:t> CV2 din Python.</a:t>
+            </a:r>
+          </a:p>
+          <a:p>
+            <a:pPr marL="0" indent="0">
+              <a:buNone/>
+            </a:pPr>
+            <a:endParaRPr lang="en-US" sz="2400" dirty="0"/>
+          </a:p>
+        </p:txBody>
+      </p:sp>
+      <p:sp>
+        <p:nvSpPr>
+          <p:cNvPr id="4" name="Date Placeholder 3">
+            <a:extLst>
+              <a:ext uri="{FF2B5EF4-FFF2-40B4-BE49-F238E27FC236}">
+                <a16:creationId xmlns:a16="http://schemas.microsoft.com/office/drawing/2014/main" id="{6AB06A0B-D07E-6425-0493-68A2372031E3}"/>
+              </a:ext>
+            </a:extLst>
+          </p:cNvPr>
+          <p:cNvSpPr>
+            <a:spLocks noGrp="1"/>
+          </p:cNvSpPr>
+          <p:nvPr>
+            <p:ph type="dt" sz="half" idx="10"/>
+          </p:nvPr>
+        </p:nvSpPr>
+        <p:spPr>
+          <a:xfrm rot="16200000">
+            <a:off x="10797542" y="998537"/>
+            <a:ext cx="1904999" cy="365125"/>
+          </a:xfrm>
+        </p:spPr>
+        <p:txBody>
+          <a:bodyPr>
+            <a:normAutofit/>
+          </a:bodyPr>
+          <a:lstStyle/>
+          <a:p>
+            <a:pPr>
+              <a:spcAft>
+                <a:spcPts val="600"/>
+              </a:spcAft>
+            </a:pPr>
+            <a:fld id="{5BDCABB6-D211-4A3C-A8D0-30CDF488E3C0}" type="datetime1">
+              <a:rPr lang="ro-RO" smtClean="0"/>
+              <a:pPr>
+                <a:spcAft>
+                  <a:spcPts val="600"/>
+                </a:spcAft>
+              </a:pPr>
+              <a:t>21.11.2024</a:t>
+            </a:fld>
+            <a:endParaRPr lang="en-US"/>
+          </a:p>
+        </p:txBody>
+      </p:sp>
+    </p:spTree>
+    <p:extLst>
+      <p:ext uri="{BB962C8B-B14F-4D97-AF65-F5344CB8AC3E}">
+        <p14:creationId xmlns:p14="http://schemas.microsoft.com/office/powerpoint/2010/main" val="2573243832"/>
+      </p:ext>
+    </p:extLst>
+  </p:cSld>
+  <p:clrMapOvr>
+    <a:masterClrMapping/>
+  </p:clrMapOvr>
+  <mc:AlternateContent xmlns:mc="http://schemas.openxmlformats.org/markup-compatibility/2006">
+    <mc:Choice xmlns:p14="http://schemas.microsoft.com/office/powerpoint/2010/main" Requires="p14">
+      <p:transition spd="slow" p14:dur="3400">
+        <p14:reveal/>
+      </p:transition>
+    </mc:Choice>
+    <mc:Fallback>
+      <p:transition spd="slow">
+        <p:fade/>
+      </p:transition>
+    </mc:Fallback>
+  </mc:AlternateContent>
+</p:sld>
+</file>
+
+<file path=ppt/slides/slide15.xml><?xml version="1.0" encoding="utf-8"?>
+<p:sld xmlns:a="http://schemas.openxmlformats.org/drawingml/2006/main" xmlns:r="http://schemas.openxmlformats.org/officeDocument/2006/relationships" xmlns:p="http://schemas.openxmlformats.org/presentationml/2006/main">
+  <p:cSld>
+    <p:spTree>
+      <p:nvGrpSpPr>
+        <p:cNvPr id="1" name=""/>
+        <p:cNvGrpSpPr/>
+        <p:nvPr/>
+      </p:nvGrpSpPr>
+      <p:grpSpPr>
+        <a:xfrm>
+          <a:off x="0" y="0"/>
+          <a:ext cx="0" cy="0"/>
+          <a:chOff x="0" y="0"/>
+          <a:chExt cx="0" cy="0"/>
+        </a:xfrm>
+      </p:grpSpPr>
+      <p:sp>
+        <p:nvSpPr>
+          <p:cNvPr id="2" name="Title 1">
+            <a:extLst>
+              <a:ext uri="{FF2B5EF4-FFF2-40B4-BE49-F238E27FC236}">
+                <a16:creationId xmlns:a16="http://schemas.microsoft.com/office/drawing/2014/main" id="{EFB5160A-B176-AF89-0CDA-54FA296E3186}"/>
+              </a:ext>
+            </a:extLst>
+          </p:cNvPr>
+          <p:cNvSpPr>
+            <a:spLocks noGrp="1"/>
+          </p:cNvSpPr>
+          <p:nvPr>
+            <p:ph type="title"/>
+          </p:nvPr>
+        </p:nvSpPr>
+        <p:spPr/>
+        <p:txBody>
+          <a:bodyPr/>
+          <a:lstStyle/>
+          <a:p>
+            <a:r>
+              <a:rPr lang="en-US" dirty="0"/>
+              <a:t>Etapa III: </a:t>
+            </a:r>
+            <a:r>
+              <a:rPr lang="en-US" dirty="0" err="1"/>
+              <a:t>Preprocesarea</a:t>
+            </a:r>
+            <a:r>
+              <a:rPr lang="en-US" dirty="0"/>
+              <a:t> </a:t>
+            </a:r>
+            <a:r>
+              <a:rPr lang="en-US" dirty="0" err="1"/>
+              <a:t>imaginii</a:t>
+            </a:r>
+            <a:endParaRPr lang="en-US" dirty="0"/>
+          </a:p>
+        </p:txBody>
+      </p:sp>
+      <p:pic>
+        <p:nvPicPr>
+          <p:cNvPr id="6" name="Content Placeholder 5" descr="A crosswalk in a city&#10;&#10;Description automatically generated">
+            <a:extLst>
+              <a:ext uri="{FF2B5EF4-FFF2-40B4-BE49-F238E27FC236}">
+                <a16:creationId xmlns:a16="http://schemas.microsoft.com/office/drawing/2014/main" id="{AA26902B-53FA-86AD-71C1-264BA6960BA4}"/>
+              </a:ext>
+            </a:extLst>
+          </p:cNvPr>
+          <p:cNvPicPr>
+            <a:picLocks noGrp="1" noChangeAspect="1"/>
+          </p:cNvPicPr>
+          <p:nvPr>
+            <p:ph idx="1"/>
+          </p:nvPr>
+        </p:nvPicPr>
+        <p:blipFill>
+          <a:blip r:embed="rId2">
+            <a:extLst>
+              <a:ext uri="{28A0092B-C50C-407E-A947-70E740481C1C}">
+                <a14:useLocalDpi xmlns:a14="http://schemas.microsoft.com/office/drawing/2010/main" val="0"/>
+              </a:ext>
+            </a:extLst>
+          </a:blip>
+          <a:stretch>
+            <a:fillRect/>
+          </a:stretch>
+        </p:blipFill>
+        <p:spPr>
+          <a:xfrm>
+            <a:off x="1261872" y="1703749"/>
+            <a:ext cx="2332038" cy="2332038"/>
+          </a:xfrm>
+        </p:spPr>
+      </p:pic>
+      <p:sp>
+        <p:nvSpPr>
+          <p:cNvPr id="4" name="Date Placeholder 3">
+            <a:extLst>
+              <a:ext uri="{FF2B5EF4-FFF2-40B4-BE49-F238E27FC236}">
+                <a16:creationId xmlns:a16="http://schemas.microsoft.com/office/drawing/2014/main" id="{46CBB620-AF07-B51E-8F9C-6B47A62642CF}"/>
+              </a:ext>
+            </a:extLst>
+          </p:cNvPr>
+          <p:cNvSpPr>
+            <a:spLocks noGrp="1"/>
+          </p:cNvSpPr>
+          <p:nvPr>
+            <p:ph type="dt" sz="half" idx="10"/>
+          </p:nvPr>
+        </p:nvSpPr>
+        <p:spPr/>
+        <p:txBody>
+          <a:bodyPr/>
+          <a:lstStyle/>
+          <a:p>
+            <a:fld id="{5BDCABB6-D211-4A3C-A8D0-30CDF488E3C0}" type="datetime1">
+              <a:rPr lang="ro-RO" smtClean="0"/>
+              <a:t>21.11.2024</a:t>
+            </a:fld>
+            <a:endParaRPr lang="en-US" dirty="0"/>
+          </a:p>
+        </p:txBody>
+      </p:sp>
+      <p:pic>
+        <p:nvPicPr>
+          <p:cNvPr id="8" name="Picture 7" descr="A black and white image of a crosswalk&#10;&#10;Description automatically generated">
+            <a:extLst>
+              <a:ext uri="{FF2B5EF4-FFF2-40B4-BE49-F238E27FC236}">
+                <a16:creationId xmlns:a16="http://schemas.microsoft.com/office/drawing/2014/main" id="{71A39056-C829-457F-7908-B41A6155F12D}"/>
+              </a:ext>
+            </a:extLst>
+          </p:cNvPr>
+          <p:cNvPicPr>
+            <a:picLocks noChangeAspect="1"/>
+          </p:cNvPicPr>
+          <p:nvPr/>
+        </p:nvPicPr>
+        <p:blipFill>
+          <a:blip r:embed="rId3">
+            <a:extLst>
+              <a:ext uri="{28A0092B-C50C-407E-A947-70E740481C1C}">
+                <a14:useLocalDpi xmlns:a14="http://schemas.microsoft.com/office/drawing/2010/main" val="0"/>
+              </a:ext>
+            </a:extLst>
+          </a:blip>
+          <a:stretch>
+            <a:fillRect/>
+          </a:stretch>
+        </p:blipFill>
+        <p:spPr>
+          <a:xfrm>
+            <a:off x="4602248" y="1691322"/>
+            <a:ext cx="2373321" cy="2373321"/>
+          </a:xfrm>
+          <a:prstGeom prst="rect">
+            <a:avLst/>
+          </a:prstGeom>
+        </p:spPr>
+      </p:pic>
+      <p:pic>
+        <p:nvPicPr>
+          <p:cNvPr id="10" name="Picture 9" descr="A black and white image of a building&#10;&#10;Description automatically generated">
+            <a:extLst>
+              <a:ext uri="{FF2B5EF4-FFF2-40B4-BE49-F238E27FC236}">
+                <a16:creationId xmlns:a16="http://schemas.microsoft.com/office/drawing/2014/main" id="{F6817368-C69B-AC38-1BA3-C0D9D2FDA3A7}"/>
+              </a:ext>
+            </a:extLst>
+          </p:cNvPr>
+          <p:cNvPicPr>
+            <a:picLocks noChangeAspect="1"/>
+          </p:cNvPicPr>
+          <p:nvPr/>
+        </p:nvPicPr>
+        <p:blipFill>
+          <a:blip r:embed="rId4">
+            <a:extLst>
+              <a:ext uri="{28A0092B-C50C-407E-A947-70E740481C1C}">
+                <a14:useLocalDpi xmlns:a14="http://schemas.microsoft.com/office/drawing/2010/main" val="0"/>
+              </a:ext>
+            </a:extLst>
+          </a:blip>
+          <a:stretch>
+            <a:fillRect/>
+          </a:stretch>
+        </p:blipFill>
+        <p:spPr>
+          <a:xfrm>
+            <a:off x="7715099" y="1703749"/>
+            <a:ext cx="2373321" cy="2373321"/>
+          </a:xfrm>
+          <a:prstGeom prst="rect">
+            <a:avLst/>
+          </a:prstGeom>
+        </p:spPr>
+      </p:pic>
+      <p:pic>
+        <p:nvPicPr>
+          <p:cNvPr id="12" name="Picture 11" descr="A black and white image of a rectangular object&#10;&#10;Description automatically generated">
+            <a:extLst>
+              <a:ext uri="{FF2B5EF4-FFF2-40B4-BE49-F238E27FC236}">
+                <a16:creationId xmlns:a16="http://schemas.microsoft.com/office/drawing/2014/main" id="{32BDE972-8488-B4BC-CEE6-25FE1CCBD37C}"/>
+              </a:ext>
+            </a:extLst>
+          </p:cNvPr>
+          <p:cNvPicPr>
+            <a:picLocks noChangeAspect="1"/>
+          </p:cNvPicPr>
+          <p:nvPr/>
+        </p:nvPicPr>
+        <p:blipFill>
+          <a:blip r:embed="rId5">
+            <a:extLst>
+              <a:ext uri="{28A0092B-C50C-407E-A947-70E740481C1C}">
+                <a14:useLocalDpi xmlns:a14="http://schemas.microsoft.com/office/drawing/2010/main" val="0"/>
+              </a:ext>
+            </a:extLst>
+          </a:blip>
+          <a:stretch>
+            <a:fillRect/>
+          </a:stretch>
+        </p:blipFill>
+        <p:spPr>
+          <a:xfrm>
+            <a:off x="1261872" y="4302655"/>
+            <a:ext cx="2332038" cy="2332038"/>
+          </a:xfrm>
+          <a:prstGeom prst="rect">
+            <a:avLst/>
+          </a:prstGeom>
+        </p:spPr>
+      </p:pic>
+      <p:pic>
+        <p:nvPicPr>
+          <p:cNvPr id="14" name="Picture 13" descr="A black and white drawing of a crosswalk&#10;&#10;Description automatically generated">
+            <a:extLst>
+              <a:ext uri="{FF2B5EF4-FFF2-40B4-BE49-F238E27FC236}">
+                <a16:creationId xmlns:a16="http://schemas.microsoft.com/office/drawing/2014/main" id="{2E33A533-19E4-061E-1B3E-93FF627FE408}"/>
+              </a:ext>
+            </a:extLst>
+          </p:cNvPr>
+          <p:cNvPicPr>
+            <a:picLocks noChangeAspect="1"/>
+          </p:cNvPicPr>
+          <p:nvPr/>
+        </p:nvPicPr>
+        <p:blipFill>
+          <a:blip r:embed="rId6">
+            <a:extLst>
+              <a:ext uri="{28A0092B-C50C-407E-A947-70E740481C1C}">
+                <a14:useLocalDpi xmlns:a14="http://schemas.microsoft.com/office/drawing/2010/main" val="0"/>
+              </a:ext>
+            </a:extLst>
+          </a:blip>
+          <a:stretch>
+            <a:fillRect/>
+          </a:stretch>
+        </p:blipFill>
+        <p:spPr>
+          <a:xfrm>
+            <a:off x="4602248" y="4261372"/>
+            <a:ext cx="2373321" cy="2373321"/>
+          </a:xfrm>
+          <a:prstGeom prst="rect">
+            <a:avLst/>
+          </a:prstGeom>
+        </p:spPr>
+      </p:pic>
+      <p:pic>
+        <p:nvPicPr>
+          <p:cNvPr id="16" name="Picture 15" descr="A black and white image of lines&#10;&#10;Description automatically generated">
+            <a:extLst>
+              <a:ext uri="{FF2B5EF4-FFF2-40B4-BE49-F238E27FC236}">
+                <a16:creationId xmlns:a16="http://schemas.microsoft.com/office/drawing/2014/main" id="{EC55C391-BB59-0456-A78B-8A027F5E88A5}"/>
+              </a:ext>
+            </a:extLst>
+          </p:cNvPr>
+          <p:cNvPicPr>
+            <a:picLocks noChangeAspect="1"/>
+          </p:cNvPicPr>
+          <p:nvPr/>
+        </p:nvPicPr>
+        <p:blipFill>
+          <a:blip r:embed="rId7">
+            <a:extLst>
+              <a:ext uri="{28A0092B-C50C-407E-A947-70E740481C1C}">
+                <a14:useLocalDpi xmlns:a14="http://schemas.microsoft.com/office/drawing/2010/main" val="0"/>
+              </a:ext>
+            </a:extLst>
+          </a:blip>
+          <a:stretch>
+            <a:fillRect/>
+          </a:stretch>
+        </p:blipFill>
+        <p:spPr>
+          <a:xfrm>
+            <a:off x="7715099" y="4261372"/>
+            <a:ext cx="2373321" cy="2373321"/>
+          </a:xfrm>
+          <a:prstGeom prst="rect">
+            <a:avLst/>
+          </a:prstGeom>
+        </p:spPr>
+      </p:pic>
+    </p:spTree>
+    <p:extLst>
+      <p:ext uri="{BB962C8B-B14F-4D97-AF65-F5344CB8AC3E}">
+        <p14:creationId xmlns:p14="http://schemas.microsoft.com/office/powerpoint/2010/main" val="2424839967"/>
+      </p:ext>
+    </p:extLst>
+  </p:cSld>
+  <p:clrMapOvr>
+    <a:masterClrMapping/>
+  </p:clrMapOvr>
+  <mc:AlternateContent xmlns:mc="http://schemas.openxmlformats.org/markup-compatibility/2006">
+    <mc:Choice xmlns:p14="http://schemas.microsoft.com/office/powerpoint/2010/main" Requires="p14">
+      <p:transition spd="slow" p14:dur="800">
+        <p:circle/>
+      </p:transition>
+    </mc:Choice>
+    <mc:Fallback>
+      <p:transition spd="slow">
+        <p:circle/>
+      </p:transition>
+    </mc:Fallback>
+  </mc:AlternateContent>
+</p:sld>
+</file>
+
+<file path=ppt/slides/slide16.xml><?xml version="1.0" encoding="utf-8"?>
+<p:sld xmlns:a="http://schemas.openxmlformats.org/drawingml/2006/main" xmlns:r="http://schemas.openxmlformats.org/officeDocument/2006/relationships" xmlns:p="http://schemas.openxmlformats.org/presentationml/2006/main">
+  <p:cSld>
+    <p:spTree>
+      <p:nvGrpSpPr>
+        <p:cNvPr id="1" name=""/>
+        <p:cNvGrpSpPr/>
+        <p:nvPr/>
+      </p:nvGrpSpPr>
+      <p:grpSpPr>
+        <a:xfrm>
+          <a:off x="0" y="0"/>
+          <a:ext cx="0" cy="0"/>
+          <a:chOff x="0" y="0"/>
+          <a:chExt cx="0" cy="0"/>
+        </a:xfrm>
+      </p:grpSpPr>
+      <p:sp>
+        <p:nvSpPr>
+          <p:cNvPr id="2" name="Title 1">
+            <a:extLst>
+              <a:ext uri="{FF2B5EF4-FFF2-40B4-BE49-F238E27FC236}">
+                <a16:creationId xmlns:a16="http://schemas.microsoft.com/office/drawing/2014/main" id="{7233D314-852A-085C-4BD4-2727F40A3F9A}"/>
+              </a:ext>
+            </a:extLst>
+          </p:cNvPr>
+          <p:cNvSpPr>
+            <a:spLocks noGrp="1"/>
+          </p:cNvSpPr>
+          <p:nvPr>
+            <p:ph type="title"/>
+          </p:nvPr>
+        </p:nvSpPr>
+        <p:spPr/>
+        <p:txBody>
+          <a:bodyPr/>
+          <a:lstStyle/>
+          <a:p>
+            <a:r>
+              <a:rPr lang="en-US" dirty="0" err="1"/>
+              <a:t>Cateva</a:t>
+            </a:r>
+            <a:r>
+              <a:rPr lang="en-US" dirty="0"/>
+              <a:t> </a:t>
+            </a:r>
+            <a:r>
+              <a:rPr lang="en-US" dirty="0" err="1"/>
+              <a:t>concluzii</a:t>
+            </a:r>
+            <a:r>
+              <a:rPr lang="en-US" dirty="0"/>
+              <a:t>….</a:t>
+            </a:r>
+          </a:p>
+        </p:txBody>
+      </p:sp>
+      <p:sp>
+        <p:nvSpPr>
+          <p:cNvPr id="3" name="Content Placeholder 2">
+            <a:extLst>
+              <a:ext uri="{FF2B5EF4-FFF2-40B4-BE49-F238E27FC236}">
+                <a16:creationId xmlns:a16="http://schemas.microsoft.com/office/drawing/2014/main" id="{4D7CA035-5D65-202D-6791-696183B7B17E}"/>
+              </a:ext>
+            </a:extLst>
+          </p:cNvPr>
+          <p:cNvSpPr>
+            <a:spLocks noGrp="1"/>
+          </p:cNvSpPr>
+          <p:nvPr>
+            <p:ph idx="1"/>
+          </p:nvPr>
+        </p:nvSpPr>
+        <p:spPr/>
+        <p:txBody>
+          <a:bodyPr/>
+          <a:lstStyle/>
+          <a:p>
+            <a:r>
+              <a:rPr lang="en-US" dirty="0"/>
+              <a:t>Nu am </a:t>
+            </a:r>
+            <a:r>
+              <a:rPr lang="en-US" dirty="0" err="1"/>
+              <a:t>reusit</a:t>
+            </a:r>
+            <a:r>
+              <a:rPr lang="en-US" dirty="0"/>
+              <a:t> </a:t>
+            </a:r>
+            <a:r>
+              <a:rPr lang="en-US" dirty="0" err="1"/>
+              <a:t>sa</a:t>
+            </a:r>
+            <a:r>
+              <a:rPr lang="en-US" dirty="0"/>
+              <a:t> </a:t>
+            </a:r>
+            <a:r>
+              <a:rPr lang="en-US" dirty="0" err="1"/>
+              <a:t>obtinem</a:t>
+            </a:r>
+            <a:r>
+              <a:rPr lang="en-US" dirty="0"/>
+              <a:t> o </a:t>
+            </a:r>
+            <a:r>
+              <a:rPr lang="en-US" dirty="0" err="1"/>
+              <a:t>precizie</a:t>
+            </a:r>
+            <a:r>
+              <a:rPr lang="en-US" dirty="0"/>
+              <a:t> exacta ca la </a:t>
+            </a:r>
+            <a:r>
+              <a:rPr lang="en-US" dirty="0" err="1"/>
+              <a:t>etapa</a:t>
+            </a:r>
+            <a:r>
+              <a:rPr lang="en-US" dirty="0"/>
+              <a:t> </a:t>
+            </a:r>
+            <a:r>
+              <a:rPr lang="en-US" dirty="0" err="1"/>
+              <a:t>precedenta</a:t>
+            </a:r>
+            <a:r>
+              <a:rPr lang="en-US" dirty="0"/>
+              <a:t>, </a:t>
+            </a:r>
+            <a:r>
+              <a:rPr lang="en-US" dirty="0" err="1"/>
+              <a:t>dar</a:t>
+            </a:r>
+            <a:r>
+              <a:rPr lang="en-US" dirty="0"/>
+              <a:t> am </a:t>
+            </a:r>
+            <a:r>
+              <a:rPr lang="en-US" dirty="0" err="1"/>
+              <a:t>facut</a:t>
+            </a:r>
+            <a:r>
+              <a:rPr lang="en-US" dirty="0"/>
+              <a:t> </a:t>
+            </a:r>
+            <a:r>
+              <a:rPr lang="en-US" dirty="0" err="1"/>
+              <a:t>anumite</a:t>
+            </a:r>
+            <a:r>
+              <a:rPr lang="en-US" dirty="0"/>
+              <a:t> </a:t>
+            </a:r>
+            <a:r>
+              <a:rPr lang="en-US" dirty="0" err="1"/>
+              <a:t>estimari</a:t>
+            </a:r>
+            <a:r>
+              <a:rPr lang="en-US" dirty="0"/>
+              <a:t>.</a:t>
+            </a:r>
+          </a:p>
+          <a:p>
+            <a:r>
+              <a:rPr lang="en-US" dirty="0" err="1"/>
+              <a:t>Precizia</a:t>
+            </a:r>
+            <a:r>
+              <a:rPr lang="en-US" dirty="0"/>
+              <a:t> a </a:t>
+            </a:r>
+            <a:r>
+              <a:rPr lang="en-US" dirty="0" err="1"/>
+              <a:t>fost</a:t>
+            </a:r>
+            <a:r>
+              <a:rPr lang="en-US" dirty="0"/>
+              <a:t> </a:t>
+            </a:r>
+            <a:r>
+              <a:rPr lang="en-US" dirty="0" err="1"/>
+              <a:t>putin</a:t>
+            </a:r>
+            <a:r>
+              <a:rPr lang="en-US" dirty="0"/>
+              <a:t> </a:t>
+            </a:r>
+            <a:r>
+              <a:rPr lang="en-US" dirty="0" err="1"/>
+              <a:t>mai</a:t>
+            </a:r>
+            <a:r>
+              <a:rPr lang="en-US" dirty="0"/>
+              <a:t> mica, </a:t>
+            </a:r>
+            <a:r>
+              <a:rPr lang="en-US" dirty="0" err="1"/>
+              <a:t>dar</a:t>
+            </a:r>
+            <a:r>
+              <a:rPr lang="en-US" dirty="0"/>
+              <a:t> </a:t>
+            </a:r>
+            <a:r>
+              <a:rPr lang="en-US" dirty="0" err="1"/>
+              <a:t>acest</a:t>
+            </a:r>
+            <a:r>
+              <a:rPr lang="en-US" dirty="0"/>
+              <a:t> </a:t>
+            </a:r>
+            <a:r>
+              <a:rPr lang="en-US" dirty="0" err="1"/>
+              <a:t>lucru</a:t>
+            </a:r>
+            <a:r>
+              <a:rPr lang="en-US" dirty="0"/>
+              <a:t> nu </a:t>
+            </a:r>
+            <a:r>
+              <a:rPr lang="en-US" dirty="0" err="1"/>
+              <a:t>inseamna</a:t>
+            </a:r>
+            <a:r>
+              <a:rPr lang="en-US" dirty="0"/>
+              <a:t> ca </a:t>
+            </a:r>
+            <a:r>
+              <a:rPr lang="en-US" dirty="0" err="1"/>
+              <a:t>prelucrarea</a:t>
+            </a:r>
+            <a:r>
+              <a:rPr lang="en-US" dirty="0"/>
+              <a:t> </a:t>
+            </a:r>
+            <a:r>
+              <a:rPr lang="en-US" dirty="0" err="1"/>
+              <a:t>este</a:t>
+            </a:r>
+            <a:r>
+              <a:rPr lang="en-US" dirty="0"/>
+              <a:t> </a:t>
+            </a:r>
+            <a:r>
+              <a:rPr lang="en-US" dirty="0" err="1"/>
+              <a:t>neaparat</a:t>
+            </a:r>
+            <a:r>
+              <a:rPr lang="en-US" dirty="0"/>
+              <a:t> </a:t>
+            </a:r>
+            <a:r>
+              <a:rPr lang="en-US" dirty="0" err="1"/>
+              <a:t>eronata</a:t>
+            </a:r>
+            <a:r>
+              <a:rPr lang="en-US" dirty="0"/>
+              <a:t>.</a:t>
+            </a:r>
+          </a:p>
+          <a:p>
+            <a:r>
+              <a:rPr lang="en-US" dirty="0"/>
+              <a:t>Din </a:t>
+            </a:r>
+            <a:r>
+              <a:rPr lang="en-US" dirty="0" err="1"/>
+              <a:t>cauza</a:t>
+            </a:r>
+            <a:r>
+              <a:rPr lang="en-US" dirty="0"/>
+              <a:t> </a:t>
+            </a:r>
+            <a:r>
+              <a:rPr lang="en-US" dirty="0" err="1"/>
+              <a:t>diferentelor</a:t>
+            </a:r>
+            <a:r>
+              <a:rPr lang="en-US" dirty="0"/>
+              <a:t> </a:t>
+            </a:r>
+            <a:r>
+              <a:rPr lang="en-US" dirty="0" err="1"/>
+              <a:t>dintre</a:t>
+            </a:r>
+            <a:r>
+              <a:rPr lang="en-US" dirty="0"/>
+              <a:t> </a:t>
+            </a:r>
+            <a:r>
+              <a:rPr lang="en-US" dirty="0" err="1"/>
+              <a:t>imagini</a:t>
+            </a:r>
+            <a:r>
+              <a:rPr lang="en-US" dirty="0"/>
+              <a:t>, nu se </a:t>
+            </a:r>
+            <a:r>
+              <a:rPr lang="en-US" dirty="0" err="1"/>
+              <a:t>poate</a:t>
+            </a:r>
+            <a:r>
+              <a:rPr lang="en-US" dirty="0"/>
+              <a:t> face o </a:t>
+            </a:r>
+            <a:r>
+              <a:rPr lang="en-US" dirty="0" err="1"/>
+              <a:t>prelucrare</a:t>
+            </a:r>
+            <a:r>
+              <a:rPr lang="en-US" dirty="0"/>
+              <a:t> “la </a:t>
+            </a:r>
+            <a:r>
+              <a:rPr lang="en-US" dirty="0" err="1"/>
+              <a:t>gramada</a:t>
+            </a:r>
+            <a:r>
+              <a:rPr lang="en-US" dirty="0"/>
+              <a:t>” , </a:t>
+            </a:r>
+            <a:r>
+              <a:rPr lang="en-US" dirty="0" err="1"/>
+              <a:t>deoarece</a:t>
+            </a:r>
+            <a:r>
+              <a:rPr lang="en-US" dirty="0"/>
+              <a:t> </a:t>
+            </a:r>
+            <a:r>
+              <a:rPr lang="en-US" dirty="0" err="1"/>
+              <a:t>fiecare</a:t>
+            </a:r>
+            <a:r>
+              <a:rPr lang="en-US" dirty="0"/>
+              <a:t> </a:t>
+            </a:r>
+            <a:r>
+              <a:rPr lang="en-US" dirty="0" err="1"/>
+              <a:t>poza</a:t>
+            </a:r>
+            <a:r>
+              <a:rPr lang="en-US" dirty="0"/>
+              <a:t> are </a:t>
+            </a:r>
+            <a:r>
+              <a:rPr lang="en-US" dirty="0" err="1"/>
+              <a:t>trasaturi</a:t>
+            </a:r>
+            <a:r>
+              <a:rPr lang="en-US" dirty="0"/>
+              <a:t> </a:t>
+            </a:r>
+            <a:r>
+              <a:rPr lang="en-US" dirty="0" err="1"/>
+              <a:t>diferite</a:t>
+            </a:r>
+            <a:r>
+              <a:rPr lang="en-US" dirty="0"/>
+              <a:t>.</a:t>
+            </a:r>
+          </a:p>
+          <a:p>
+            <a:r>
+              <a:rPr lang="en-US" dirty="0"/>
+              <a:t>Dar, cu </a:t>
+            </a:r>
+            <a:r>
+              <a:rPr lang="en-US" dirty="0" err="1"/>
+              <a:t>putin</a:t>
+            </a:r>
+            <a:r>
+              <a:rPr lang="en-US" dirty="0"/>
+              <a:t> </a:t>
+            </a:r>
+            <a:r>
+              <a:rPr lang="en-US" dirty="0" err="1"/>
+              <a:t>mai</a:t>
+            </a:r>
+            <a:r>
+              <a:rPr lang="en-US" dirty="0"/>
+              <a:t> </a:t>
+            </a:r>
+            <a:r>
+              <a:rPr lang="en-US" dirty="0" err="1"/>
+              <a:t>multa</a:t>
+            </a:r>
+            <a:r>
+              <a:rPr lang="en-US" dirty="0"/>
+              <a:t> </a:t>
+            </a:r>
+            <a:r>
+              <a:rPr lang="en-US" dirty="0" err="1"/>
+              <a:t>munca</a:t>
+            </a:r>
+            <a:r>
+              <a:rPr lang="en-US" dirty="0"/>
+              <a:t>, se pot </a:t>
+            </a:r>
+            <a:r>
+              <a:rPr lang="en-US" dirty="0" err="1"/>
+              <a:t>ajunge</a:t>
+            </a:r>
+            <a:r>
+              <a:rPr lang="en-US" dirty="0"/>
+              <a:t> la </a:t>
+            </a:r>
+            <a:r>
+              <a:rPr lang="en-US" dirty="0" err="1"/>
+              <a:t>rezultate</a:t>
+            </a:r>
+            <a:r>
+              <a:rPr lang="en-US" dirty="0"/>
+              <a:t> concrete </a:t>
+            </a:r>
+            <a:r>
+              <a:rPr lang="en-US" dirty="0" err="1"/>
+              <a:t>unde</a:t>
+            </a:r>
+            <a:r>
+              <a:rPr lang="en-US" dirty="0"/>
+              <a:t> </a:t>
+            </a:r>
+            <a:r>
+              <a:rPr lang="en-US" dirty="0" err="1"/>
+              <a:t>poate</a:t>
+            </a:r>
+            <a:r>
+              <a:rPr lang="en-US" dirty="0"/>
+              <a:t> </a:t>
+            </a:r>
+            <a:r>
+              <a:rPr lang="en-US" dirty="0" err="1"/>
+              <a:t>chiar</a:t>
+            </a:r>
+            <a:r>
+              <a:rPr lang="en-US" dirty="0"/>
+              <a:t> </a:t>
+            </a:r>
+            <a:r>
+              <a:rPr lang="en-US" dirty="0" err="1"/>
+              <a:t>vedem</a:t>
+            </a:r>
+            <a:r>
+              <a:rPr lang="en-US" dirty="0"/>
+              <a:t> o </a:t>
+            </a:r>
+            <a:r>
+              <a:rPr lang="en-US" dirty="0" err="1"/>
+              <a:t>imbunatatire</a:t>
+            </a:r>
+            <a:r>
+              <a:rPr lang="en-US" dirty="0"/>
+              <a:t> fata de </a:t>
+            </a:r>
+            <a:r>
+              <a:rPr lang="en-US" dirty="0" err="1"/>
+              <a:t>setul</a:t>
+            </a:r>
+            <a:r>
+              <a:rPr lang="en-US" dirty="0"/>
+              <a:t> original de </a:t>
+            </a:r>
+            <a:r>
+              <a:rPr lang="en-US" dirty="0" err="1"/>
+              <a:t>imagini</a:t>
+            </a:r>
+            <a:r>
+              <a:rPr lang="en-US" dirty="0"/>
+              <a:t>.</a:t>
+            </a:r>
+          </a:p>
+          <a:p>
+            <a:endParaRPr lang="en-US" dirty="0"/>
+          </a:p>
+          <a:p>
+            <a:endParaRPr lang="en-US" dirty="0"/>
+          </a:p>
+        </p:txBody>
+      </p:sp>
+      <p:sp>
+        <p:nvSpPr>
+          <p:cNvPr id="4" name="Date Placeholder 3">
+            <a:extLst>
+              <a:ext uri="{FF2B5EF4-FFF2-40B4-BE49-F238E27FC236}">
+                <a16:creationId xmlns:a16="http://schemas.microsoft.com/office/drawing/2014/main" id="{7DB1D8BC-DAFD-5E07-FCE8-7B8E7009E04C}"/>
+              </a:ext>
+            </a:extLst>
+          </p:cNvPr>
+          <p:cNvSpPr>
+            <a:spLocks noGrp="1"/>
+          </p:cNvSpPr>
+          <p:nvPr>
+            <p:ph type="dt" sz="half" idx="10"/>
+          </p:nvPr>
+        </p:nvSpPr>
+        <p:spPr/>
+        <p:txBody>
+          <a:bodyPr/>
+          <a:lstStyle/>
+          <a:p>
+            <a:fld id="{5BDCABB6-D211-4A3C-A8D0-30CDF488E3C0}" type="datetime1">
+              <a:rPr lang="ro-RO" smtClean="0"/>
+              <a:t>21.11.2024</a:t>
+            </a:fld>
+            <a:endParaRPr lang="en-US" dirty="0"/>
+          </a:p>
+        </p:txBody>
+      </p:sp>
+    </p:spTree>
+    <p:extLst>
+      <p:ext uri="{BB962C8B-B14F-4D97-AF65-F5344CB8AC3E}">
+        <p14:creationId xmlns:p14="http://schemas.microsoft.com/office/powerpoint/2010/main" val="909280467"/>
+      </p:ext>
+    </p:extLst>
+  </p:cSld>
+  <p:clrMapOvr>
+    <a:masterClrMapping/>
+  </p:clrMapOvr>
+  <mc:AlternateContent xmlns:mc="http://schemas.openxmlformats.org/markup-compatibility/2006">
+    <mc:Choice xmlns:p15="http://schemas.microsoft.com/office/powerpoint/2012/main" Requires="p15">
+      <p:transition xmlns:p14="http://schemas.microsoft.com/office/powerpoint/2010/main" spd="slow" p14:dur="2000">
+        <p15:prstTrans prst="drape"/>
+      </p:transition>
+    </mc:Choice>
+    <mc:Fallback>
+      <p:transition spd="slow">
+        <p:fade/>
+      </p:transition>
+    </mc:Fallback>
+  </mc:AlternateContent>
+</p:sld>
+</file>
+
+<file path=ppt/slides/slide17.xml><?xml version="1.0" encoding="utf-8"?>
+<p:sld xmlns:a="http://schemas.openxmlformats.org/drawingml/2006/main" xmlns:r="http://schemas.openxmlformats.org/officeDocument/2006/relationships" xmlns:p="http://schemas.openxmlformats.org/presentationml/2006/main">
+  <p:cSld>
+    <p:spTree>
+      <p:nvGrpSpPr>
+        <p:cNvPr id="1" name=""/>
+        <p:cNvGrpSpPr/>
+        <p:nvPr/>
+      </p:nvGrpSpPr>
+      <p:grpSpPr>
+        <a:xfrm>
+          <a:off x="0" y="0"/>
+          <a:ext cx="0" cy="0"/>
+          <a:chOff x="0" y="0"/>
+          <a:chExt cx="0" cy="0"/>
+        </a:xfrm>
+      </p:grpSpPr>
+      <p:sp>
+        <p:nvSpPr>
+          <p:cNvPr id="2" name="Title 1">
+            <a:extLst>
+              <a:ext uri="{FF2B5EF4-FFF2-40B4-BE49-F238E27FC236}">
+                <a16:creationId xmlns:a16="http://schemas.microsoft.com/office/drawing/2014/main" id="{29545AF4-5C75-8DB3-CC1F-1D9246487552}"/>
+              </a:ext>
+            </a:extLst>
+          </p:cNvPr>
+          <p:cNvSpPr>
+            <a:spLocks noGrp="1"/>
+          </p:cNvSpPr>
+          <p:nvPr>
+            <p:ph type="title"/>
+          </p:nvPr>
+        </p:nvSpPr>
+        <p:spPr/>
+        <p:txBody>
+          <a:bodyPr/>
+          <a:lstStyle/>
+          <a:p>
+            <a:pPr algn="ctr"/>
+            <a:r>
+              <a:rPr lang="en-US" dirty="0"/>
+              <a:t>Va </a:t>
+            </a:r>
+            <a:r>
+              <a:rPr lang="en-US" dirty="0" err="1"/>
+              <a:t>multumim</a:t>
+            </a:r>
+            <a:r>
+              <a:rPr lang="en-US" dirty="0"/>
+              <a:t>!</a:t>
+            </a:r>
+          </a:p>
+        </p:txBody>
+      </p:sp>
+      <p:sp>
+        <p:nvSpPr>
+          <p:cNvPr id="4" name="Date Placeholder 3">
+            <a:extLst>
+              <a:ext uri="{FF2B5EF4-FFF2-40B4-BE49-F238E27FC236}">
+                <a16:creationId xmlns:a16="http://schemas.microsoft.com/office/drawing/2014/main" id="{D815FB36-3E9B-5907-646B-7EF93594CC56}"/>
+              </a:ext>
+            </a:extLst>
+          </p:cNvPr>
+          <p:cNvSpPr>
+            <a:spLocks noGrp="1"/>
+          </p:cNvSpPr>
+          <p:nvPr>
+            <p:ph type="dt" sz="half" idx="10"/>
+          </p:nvPr>
+        </p:nvSpPr>
+        <p:spPr/>
+        <p:txBody>
+          <a:bodyPr/>
+          <a:lstStyle/>
+          <a:p>
+            <a:fld id="{5BDCABB6-D211-4A3C-A8D0-30CDF488E3C0}" type="datetime1">
+              <a:rPr lang="ro-RO" smtClean="0"/>
+              <a:t>21.11.2024</a:t>
+            </a:fld>
+            <a:endParaRPr lang="en-US" dirty="0"/>
+          </a:p>
+        </p:txBody>
+      </p:sp>
+      <p:pic>
+        <p:nvPicPr>
+          <p:cNvPr id="5" name="Content Placeholder 4" descr="Thumbs Up Chicken">
+            <a:extLst>
+              <a:ext uri="{FF2B5EF4-FFF2-40B4-BE49-F238E27FC236}">
+                <a16:creationId xmlns:a16="http://schemas.microsoft.com/office/drawing/2014/main" id="{B6561CB8-06C0-3DA6-6014-C41FECCEF131}"/>
+              </a:ext>
+            </a:extLst>
+          </p:cNvPr>
+          <p:cNvPicPr>
+            <a:picLocks noGrp="1" noChangeAspect="1"/>
+          </p:cNvPicPr>
+          <p:nvPr>
+            <p:ph idx="1"/>
+          </p:nvPr>
+        </p:nvPicPr>
+        <p:blipFill>
+          <a:blip r:embed="rId2">
+            <a:extLst>
+              <a:ext uri="{28A0092B-C50C-407E-A947-70E740481C1C}">
+                <a14:useLocalDpi xmlns:a14="http://schemas.microsoft.com/office/drawing/2010/main" val="0"/>
+              </a:ext>
+            </a:extLst>
+          </a:blip>
+          <a:stretch>
+            <a:fillRect/>
+          </a:stretch>
+        </p:blipFill>
+        <p:spPr>
+          <a:xfrm>
+            <a:off x="4483100" y="2114549"/>
+            <a:ext cx="3810000" cy="3810000"/>
+          </a:xfrm>
+          <a:prstGeom prst="rect">
+            <a:avLst/>
+          </a:prstGeom>
+        </p:spPr>
+      </p:pic>
+    </p:spTree>
+    <p:extLst>
+      <p:ext uri="{BB962C8B-B14F-4D97-AF65-F5344CB8AC3E}">
+        <p14:creationId xmlns:p14="http://schemas.microsoft.com/office/powerpoint/2010/main" val="4184842999"/>
+      </p:ext>
+    </p:extLst>
+  </p:cSld>
+  <p:clrMapOvr>
+    <a:masterClrMapping/>
+  </p:clrMapOvr>
+  <p:timing>
+    <p:tnLst>
+      <p:par>
+        <p:cTn id="1" dur="indefinite" restart="never" nodeType="tmRoot">
+          <p:childTnLst>
+            <p:seq concurrent="1" nextAc="seek">
+              <p:cTn id="2" dur="indefinite" nodeType="mainSeq">
+                <p:childTnLst>
+                  <p:par>
+                    <p:cTn id="3" fill="hold">
+                      <p:stCondLst>
+                        <p:cond delay="indefinite"/>
+                        <p:cond evt="onBegin" delay="0">
+                          <p:tn val="2"/>
+                        </p:cond>
+                      </p:stCondLst>
+                      <p:childTnLst>
+                        <p:par>
+                          <p:cTn id="4" fill="hold">
+                            <p:stCondLst>
+                              <p:cond delay="0"/>
+                            </p:stCondLst>
+                            <p:childTnLst>
+                              <p:par>
+                                <p:cTn id="5" presetID="2" presetClass="entr" presetSubtype="4" fill="hold" nodeType="withEffect">
+                                  <p:stCondLst>
+                                    <p:cond delay="0"/>
+                                  </p:stCondLst>
+                                  <p:childTnLst>
+                                    <p:set>
+                                      <p:cBhvr>
+                                        <p:cTn id="6" dur="1" fill="hold">
+                                          <p:stCondLst>
+                                            <p:cond delay="0"/>
+                                          </p:stCondLst>
+                                        </p:cTn>
+                                        <p:tgtEl>
+                                          <p:spTgt spid="5"/>
+                                        </p:tgtEl>
+                                        <p:attrNameLst>
+                                          <p:attrName>style.visibility</p:attrName>
+                                        </p:attrNameLst>
+                                      </p:cBhvr>
+                                      <p:to>
+                                        <p:strVal val="visible"/>
+                                      </p:to>
+                                    </p:set>
+                                    <p:anim calcmode="lin" valueType="num">
+                                      <p:cBhvr additive="base">
+                                        <p:cTn id="7" dur="500" fill="hold"/>
+                                        <p:tgtEl>
+                                          <p:spTgt spid="5"/>
+                                        </p:tgtEl>
+                                        <p:attrNameLst>
+                                          <p:attrName>ppt_x</p:attrName>
+                                        </p:attrNameLst>
+                                      </p:cBhvr>
+                                      <p:tavLst>
+                                        <p:tav tm="0">
+                                          <p:val>
+                                            <p:strVal val="#ppt_x"/>
+                                          </p:val>
+                                        </p:tav>
+                                        <p:tav tm="100000">
+                                          <p:val>
+                                            <p:strVal val="#ppt_x"/>
+                                          </p:val>
+                                        </p:tav>
+                                      </p:tavLst>
+                                    </p:anim>
+                                    <p:anim calcmode="lin" valueType="num">
+                                      <p:cBhvr additive="base">
+                                        <p:cTn id="8" dur="500" fill="hold"/>
+                                        <p:tgtEl>
+                                          <p:spTgt spid="5"/>
+                                        </p:tgtEl>
+                                        <p:attrNameLst>
+                                          <p:attrName>ppt_y</p:attrName>
+                                        </p:attrNameLst>
+                                      </p:cBhvr>
+                                      <p:tavLst>
+                                        <p:tav tm="0">
+                                          <p:val>
+                                            <p:strVal val="1+#ppt_h/2"/>
+                                          </p:val>
+                                        </p:tav>
+                                        <p:tav tm="100000">
+                                          <p:val>
+                                            <p:strVal val="#ppt_y"/>
+                                          </p:val>
+                                        </p:tav>
+                                      </p:tavLst>
+                                    </p:anim>
+                                  </p:childTnLst>
+                                </p:cTn>
+                              </p:par>
+                            </p:childTnLst>
+                          </p:cTn>
+                        </p:par>
+                      </p:childTnLst>
+                    </p:cTn>
+                  </p:par>
+                </p:childTnLst>
+              </p:cTn>
+              <p:prevCondLst>
+                <p:cond evt="onPrev" delay="0">
+                  <p:tgtEl>
+                    <p:sldTgt/>
+                  </p:tgtEl>
+                </p:cond>
+              </p:prevCondLst>
+              <p:nextCondLst>
+                <p:cond evt="onNext" delay="0">
+                  <p:tgtEl>
+                    <p:sldTgt/>
+                  </p:tgtEl>
+                </p:cond>
+              </p:nextCondLst>
+            </p:seq>
+          </p:childTnLst>
+        </p:cTn>
+      </p:par>
+    </p:tnLst>
+  </p:timing>
+</p:sld>
+</file>
+
 <file path=ppt/slides/slide2.xml><?xml version="1.0" encoding="utf-8"?>
 <p:sld xmlns:a="http://schemas.openxmlformats.org/drawingml/2006/main" xmlns:r="http://schemas.openxmlformats.org/officeDocument/2006/relationships" xmlns:p="http://schemas.openxmlformats.org/presentationml/2006/main">
   <p:cSld>
@@ -4528,7 +8330,7 @@
           <a:p>
             <a:fld id="{5BDCABB6-D211-4A3C-A8D0-30CDF488E3C0}" type="datetime1">
               <a:rPr lang="ro-RO" smtClean="0"/>
-              <a:t>20.11.2024</a:t>
+              <a:t>21.11.2024</a:t>
             </a:fld>
             <a:endParaRPr lang="en-US" dirty="0"/>
           </a:p>
@@ -4952,7 +8754,7 @@
           <a:p>
             <a:fld id="{5BDCABB6-D211-4A3C-A8D0-30CDF488E3C0}" type="datetime1">
               <a:rPr lang="ro-RO" smtClean="0"/>
-              <a:t>20.11.2024</a:t>
+              <a:t>21.11.2024</a:t>
             </a:fld>
             <a:endParaRPr lang="en-US" dirty="0"/>
           </a:p>
@@ -5352,7 +9154,7 @@
           <a:p>
             <a:fld id="{5BDCABB6-D211-4A3C-A8D0-30CDF488E3C0}" type="datetime1">
               <a:rPr lang="ro-RO" smtClean="0"/>
-              <a:t>20.11.2024</a:t>
+              <a:t>21.11.2024</a:t>
             </a:fld>
             <a:endParaRPr lang="en-US" dirty="0"/>
           </a:p>
@@ -5779,7 +9581,7 @@
           <a:p>
             <a:fld id="{5BDCABB6-D211-4A3C-A8D0-30CDF488E3C0}" type="datetime1">
               <a:rPr lang="ro-RO" smtClean="0"/>
-              <a:t>20.11.2024</a:t>
+              <a:t>21.11.2024</a:t>
             </a:fld>
             <a:endParaRPr lang="en-US" dirty="0"/>
           </a:p>
@@ -6676,7 +10478,7 @@
           <a:p>
             <a:fld id="{5BDCABB6-D211-4A3C-A8D0-30CDF488E3C0}" type="datetime1">
               <a:rPr lang="ro-RO" smtClean="0"/>
-              <a:t>20.11.2024</a:t>
+              <a:t>21.11.2024</a:t>
             </a:fld>
             <a:endParaRPr lang="en-US" dirty="0"/>
           </a:p>
@@ -8081,7 +11883,7 @@
           <a:p>
             <a:fld id="{5BDCABB6-D211-4A3C-A8D0-30CDF488E3C0}" type="datetime1">
               <a:rPr lang="ro-RO" smtClean="0"/>
-              <a:t>20.11.2024</a:t>
+              <a:t>21.11.2024</a:t>
             </a:fld>
             <a:endParaRPr lang="en-US" dirty="0"/>
           </a:p>
@@ -8642,7 +12444,7 @@
                   <a:spcPts val="600"/>
                 </a:spcAft>
               </a:pPr>
-              <a:t>20.11.2024</a:t>
+              <a:t>21.11.2024</a:t>
             </a:fld>
             <a:endParaRPr lang="en-US">
               <a:solidFill>
@@ -8997,7 +12799,23 @@
           <a:bodyPr/>
           <a:lstStyle/>
           <a:p>
-            <a:endParaRPr lang="ro-RO"/>
+            <a:r>
+              <a:rPr lang="en-US" dirty="0"/>
+              <a:t>Etapa I: </a:t>
+            </a:r>
+            <a:r>
+              <a:rPr lang="en-US" dirty="0" err="1"/>
+              <a:t>Detectia</a:t>
+            </a:r>
+            <a:r>
+              <a:rPr lang="en-US" dirty="0"/>
+              <a:t> </a:t>
+            </a:r>
+            <a:r>
+              <a:rPr lang="en-US" dirty="0" err="1"/>
+              <a:t>marcajelor</a:t>
+            </a:r>
+            <a:endParaRPr lang="ro-RO" dirty="0"/>
           </a:p>
         </p:txBody>
       </p:sp>
@@ -10163,7 +13981,7 @@
           <a:p>
             <a:fld id="{5BDCABB6-D211-4A3C-A8D0-30CDF488E3C0}" type="datetime1">
               <a:rPr lang="ro-RO" smtClean="0"/>
-              <a:t>20.11.2024</a:t>
+              <a:t>21.11.2024</a:t>
             </a:fld>
             <a:endParaRPr lang="en-US" dirty="0"/>
           </a:p>
@@ -12289,6 +16107,23 @@
 </file>
 
 <file path=customXml/item1.xml><?xml version="1.0" encoding="utf-8"?>
+<p:properties xmlns:p="http://schemas.microsoft.com/office/2006/metadata/properties" xmlns:xsi="http://www.w3.org/2001/XMLSchema-instance" xmlns:pc="http://schemas.microsoft.com/office/infopath/2007/PartnerControls">
+  <documentManagement>
+    <_activity xmlns="2ece7027-af6b-45b2-9d39-381e47a4a6e9" xsi:nil="true"/>
+  </documentManagement>
+</p:properties>
+</file>
+
+<file path=customXml/item2.xml><?xml version="1.0" encoding="utf-8"?>
+<?mso-contentType ?>
+<FormTemplates xmlns="http://schemas.microsoft.com/sharepoint/v3/contenttype/forms">
+  <Display>DocumentLibraryForm</Display>
+  <Edit>DocumentLibraryForm</Edit>
+  <New>DocumentLibraryForm</New>
+</FormTemplates>
+</file>
+
+<file path=customXml/item3.xml><?xml version="1.0" encoding="utf-8"?>
 <ct:contentTypeSchema xmlns:ct="http://schemas.microsoft.com/office/2006/metadata/contentType" xmlns:ma="http://schemas.microsoft.com/office/2006/metadata/properties/metaAttributes" ct:_="" ma:_="" ma:contentTypeName="Document" ma:contentTypeID="0x010100127DC68CD8E8EE4C86ACA7452D7C7C12" ma:contentTypeVersion="5" ma:contentTypeDescription="Create a new document." ma:contentTypeScope="" ma:versionID="93d37b30948344ed44cf1d959e6e4b74">
   <xsd:schema xmlns:xsd="http://www.w3.org/2001/XMLSchema" xmlns:xs="http://www.w3.org/2001/XMLSchema" xmlns:p="http://schemas.microsoft.com/office/2006/metadata/properties" xmlns:ns3="2ece7027-af6b-45b2-9d39-381e47a4a6e9" targetNamespace="http://schemas.microsoft.com/office/2006/metadata/properties" ma:root="true" ma:fieldsID="85907a5c037b836ab89ef9f36086c92e" ns3:_="">
     <xsd:import namespace="2ece7027-af6b-45b2-9d39-381e47a4a6e9"/>
@@ -12438,24 +16273,31 @@
 </ct:contentTypeSchema>
 </file>
 
-<file path=customXml/item2.xml><?xml version="1.0" encoding="utf-8"?>
-<?mso-contentType ?>
-<FormTemplates xmlns="http://schemas.microsoft.com/sharepoint/v3/contenttype/forms">
-  <Display>DocumentLibraryForm</Display>
-  <Edit>DocumentLibraryForm</Edit>
-  <New>DocumentLibraryForm</New>
-</FormTemplates>
+<file path=customXml/itemProps1.xml><?xml version="1.0" encoding="utf-8"?>
+<ds:datastoreItem xmlns:ds="http://schemas.openxmlformats.org/officeDocument/2006/customXml" ds:itemID="{6FC1A0F9-F115-4734-8340-16C90DB0443B}">
+  <ds:schemaRefs>
+    <ds:schemaRef ds:uri="http://purl.org/dc/elements/1.1/"/>
+    <ds:schemaRef ds:uri="2ece7027-af6b-45b2-9d39-381e47a4a6e9"/>
+    <ds:schemaRef ds:uri="http://www.w3.org/XML/1998/namespace"/>
+    <ds:schemaRef ds:uri="http://schemas.microsoft.com/office/2006/documentManagement/types"/>
+    <ds:schemaRef ds:uri="http://schemas.microsoft.com/office/2006/metadata/properties"/>
+    <ds:schemaRef ds:uri="http://schemas.microsoft.com/office/infopath/2007/PartnerControls"/>
+    <ds:schemaRef ds:uri="http://schemas.openxmlformats.org/package/2006/metadata/core-properties"/>
+    <ds:schemaRef ds:uri="http://purl.org/dc/dcmitype/"/>
+    <ds:schemaRef ds:uri="http://purl.org/dc/terms/"/>
+  </ds:schemaRefs>
+</ds:datastoreItem>
 </file>
 
-<file path=customXml/item3.xml><?xml version="1.0" encoding="utf-8"?>
-<p:properties xmlns:p="http://schemas.microsoft.com/office/2006/metadata/properties" xmlns:xsi="http://www.w3.org/2001/XMLSchema-instance" xmlns:pc="http://schemas.microsoft.com/office/infopath/2007/PartnerControls">
-  <documentManagement>
-    <_activity xmlns="2ece7027-af6b-45b2-9d39-381e47a4a6e9" xsi:nil="true"/>
-  </documentManagement>
-</p:properties>
+<file path=customXml/itemProps2.xml><?xml version="1.0" encoding="utf-8"?>
+<ds:datastoreItem xmlns:ds="http://schemas.openxmlformats.org/officeDocument/2006/customXml" ds:itemID="{E8235F4D-A5EA-4FEB-80A8-5A399B9FB92A}">
+  <ds:schemaRefs>
+    <ds:schemaRef ds:uri="http://schemas.microsoft.com/sharepoint/v3/contenttype/forms"/>
+  </ds:schemaRefs>
+</ds:datastoreItem>
 </file>
 
-<file path=customXml/itemProps1.xml><?xml version="1.0" encoding="utf-8"?>
+<file path=customXml/itemProps3.xml><?xml version="1.0" encoding="utf-8"?>
 <ds:datastoreItem xmlns:ds="http://schemas.openxmlformats.org/officeDocument/2006/customXml" ds:itemID="{141347DE-A02D-4E74-B1E0-2001BC6F64AD}">
   <ds:schemaRefs>
     <ds:schemaRef ds:uri="http://schemas.microsoft.com/office/2006/metadata/contentType"/>
@@ -12471,28 +16313,4 @@
     <ds:schemaRef ds:uri="http://schemas.microsoft.com/internal/obd"/>
   </ds:schemaRefs>
 </ds:datastoreItem>
-</file>
-
-<file path=customXml/itemProps2.xml><?xml version="1.0" encoding="utf-8"?>
-<ds:datastoreItem xmlns:ds="http://schemas.openxmlformats.org/officeDocument/2006/customXml" ds:itemID="{E8235F4D-A5EA-4FEB-80A8-5A399B9FB92A}">
-  <ds:schemaRefs>
-    <ds:schemaRef ds:uri="http://schemas.microsoft.com/sharepoint/v3/contenttype/forms"/>
-  </ds:schemaRefs>
-</ds:datastoreItem>
-</file>
-
-<file path=customXml/itemProps3.xml><?xml version="1.0" encoding="utf-8"?>
-<ds:datastoreItem xmlns:ds="http://schemas.openxmlformats.org/officeDocument/2006/customXml" ds:itemID="{6FC1A0F9-F115-4734-8340-16C90DB0443B}">
-  <ds:schemaRefs>
-    <ds:schemaRef ds:uri="http://purl.org/dc/elements/1.1/"/>
-    <ds:schemaRef ds:uri="2ece7027-af6b-45b2-9d39-381e47a4a6e9"/>
-    <ds:schemaRef ds:uri="http://www.w3.org/XML/1998/namespace"/>
-    <ds:schemaRef ds:uri="http://schemas.microsoft.com/office/2006/documentManagement/types"/>
-    <ds:schemaRef ds:uri="http://schemas.microsoft.com/office/2006/metadata/properties"/>
-    <ds:schemaRef ds:uri="http://schemas.microsoft.com/office/infopath/2007/PartnerControls"/>
-    <ds:schemaRef ds:uri="http://schemas.openxmlformats.org/package/2006/metadata/core-properties"/>
-    <ds:schemaRef ds:uri="http://purl.org/dc/dcmitype/"/>
-    <ds:schemaRef ds:uri="http://purl.org/dc/terms/"/>
-  </ds:schemaRefs>
-</ds:datastoreItem>
 </file>